--- a/NSTX-U High-k Scattering receiver optical calibration_07252024.pptx
+++ b/NSTX-U High-k Scattering receiver optical calibration_07252024.pptx
@@ -119,6 +119,11 @@
       </a:defRPr>
     </a:lvl9pPr>
   </p:defaultTextStyle>
+  <p:extLst>
+    <p:ext uri="{EFAFB233-063F-42B5-8137-9DF3F51BA10A}">
+      <p15:sldGuideLst xmlns:p15="http://schemas.microsoft.com/office/powerpoint/2012/main"/>
+    </p:ext>
+  </p:extLst>
 </p:presentation>
 </file>
 
@@ -4882,8 +4887,8 @@
             </a:p>
           </p:txBody>
         </p:sp>
-        <mc:AlternateContent xmlns:mc="http://schemas.openxmlformats.org/markup-compatibility/2006">
-          <mc:Choice xmlns:a14="http://schemas.microsoft.com/office/drawing/2010/main" Requires="a14">
+        <mc:AlternateContent xmlns:mc="http://schemas.openxmlformats.org/markup-compatibility/2006" xmlns:a14="http://schemas.microsoft.com/office/drawing/2010/main">
+          <mc:Choice Requires="a14">
             <p:sp>
               <p:nvSpPr>
                 <p:cNvPr id="21" name="TextBox 20">
@@ -4912,6 +4917,7 @@
                 </a:bodyPr>
                 <a:lstStyle/>
                 <a:p>
+                  <a:pPr/>
                   <a14:m>
                     <m:oMathPara xmlns:m="http://schemas.openxmlformats.org/officeDocument/2006/math">
                       <m:oMathParaPr>
@@ -4951,7 +4957,7 @@
               </p:txBody>
             </p:sp>
           </mc:Choice>
-          <mc:Fallback>
+          <mc:Fallback xmlns="">
             <p:sp>
               <p:nvSpPr>
                 <p:cNvPr id="21" name="TextBox 20">
@@ -4996,8 +5002,8 @@
             </p:sp>
           </mc:Fallback>
         </mc:AlternateContent>
-        <mc:AlternateContent xmlns:mc="http://schemas.openxmlformats.org/markup-compatibility/2006">
-          <mc:Choice xmlns:a14="http://schemas.microsoft.com/office/drawing/2010/main" Requires="a14">
+        <mc:AlternateContent xmlns:mc="http://schemas.openxmlformats.org/markup-compatibility/2006" xmlns:a14="http://schemas.microsoft.com/office/drawing/2010/main">
+          <mc:Choice Requires="a14">
             <p:sp>
               <p:nvSpPr>
                 <p:cNvPr id="22" name="TextBox 21">
@@ -5026,6 +5032,7 @@
                 </a:bodyPr>
                 <a:lstStyle/>
                 <a:p>
+                  <a:pPr/>
                   <a14:m>
                     <m:oMathPara xmlns:m="http://schemas.openxmlformats.org/officeDocument/2006/math">
                       <m:oMathParaPr>
@@ -5065,7 +5072,7 @@
               </p:txBody>
             </p:sp>
           </mc:Choice>
-          <mc:Fallback>
+          <mc:Fallback xmlns="">
             <p:sp>
               <p:nvSpPr>
                 <p:cNvPr id="22" name="TextBox 21">
@@ -5441,8 +5448,8 @@
             </a:p>
           </p:txBody>
         </p:sp>
-        <mc:AlternateContent xmlns:mc="http://schemas.openxmlformats.org/markup-compatibility/2006">
-          <mc:Choice xmlns:a14="http://schemas.microsoft.com/office/drawing/2010/main" Requires="a14">
+        <mc:AlternateContent xmlns:mc="http://schemas.openxmlformats.org/markup-compatibility/2006" xmlns:a14="http://schemas.microsoft.com/office/drawing/2010/main">
+          <mc:Choice Requires="a14">
             <p:sp>
               <p:nvSpPr>
                 <p:cNvPr id="38" name="TextBox 37">
@@ -5471,6 +5478,7 @@
                 </a:bodyPr>
                 <a:lstStyle/>
                 <a:p>
+                  <a:pPr/>
                   <a14:m>
                     <m:oMathPara xmlns:m="http://schemas.openxmlformats.org/officeDocument/2006/math">
                       <m:oMathParaPr>
@@ -5510,7 +5518,7 @@
               </p:txBody>
             </p:sp>
           </mc:Choice>
-          <mc:Fallback>
+          <mc:Fallback xmlns="">
             <p:sp>
               <p:nvSpPr>
                 <p:cNvPr id="38" name="TextBox 37">
@@ -5723,8 +5731,8 @@
             </a:p>
           </p:txBody>
         </p:sp>
-        <mc:AlternateContent xmlns:mc="http://schemas.openxmlformats.org/markup-compatibility/2006">
-          <mc:Choice xmlns:a14="http://schemas.microsoft.com/office/drawing/2010/main" Requires="a14">
+        <mc:AlternateContent xmlns:mc="http://schemas.openxmlformats.org/markup-compatibility/2006" xmlns:a14="http://schemas.microsoft.com/office/drawing/2010/main">
+          <mc:Choice Requires="a14">
             <p:sp>
               <p:nvSpPr>
                 <p:cNvPr id="43" name="TextBox 42">
@@ -5756,6 +5764,7 @@
                 </a:bodyPr>
                 <a:lstStyle/>
                 <a:p>
+                  <a:pPr/>
                   <a14:m>
                     <m:oMathPara xmlns:m="http://schemas.openxmlformats.org/officeDocument/2006/math">
                       <m:oMathParaPr>
@@ -5939,6 +5948,7 @@
                   <a:endParaRPr lang="en-US" b="0" dirty="0"/>
                 </a:p>
                 <a:p>
+                  <a:pPr/>
                   <a14:m>
                     <m:oMathPara xmlns:m="http://schemas.openxmlformats.org/officeDocument/2006/math">
                       <m:oMathParaPr>
@@ -6007,6 +6017,7 @@
                   <a:endParaRPr lang="en-US" b="0" dirty="0"/>
                 </a:p>
                 <a:p>
+                  <a:pPr/>
                   <a14:m>
                     <m:oMathPara xmlns:m="http://schemas.openxmlformats.org/officeDocument/2006/math">
                       <m:oMathParaPr>
@@ -6146,6 +6157,7 @@
                   <a:endParaRPr lang="en-US" b="0" dirty="0"/>
                 </a:p>
                 <a:p>
+                  <a:pPr/>
                   <a14:m>
                     <m:oMathPara xmlns:m="http://schemas.openxmlformats.org/officeDocument/2006/math">
                       <m:oMathParaPr>
@@ -6249,7 +6261,7 @@
               </p:txBody>
             </p:sp>
           </mc:Choice>
-          <mc:Fallback>
+          <mc:Fallback xmlns="">
             <p:sp>
               <p:nvSpPr>
                 <p:cNvPr id="43" name="TextBox 42">
@@ -6297,8 +6309,8 @@
             </p:sp>
           </mc:Fallback>
         </mc:AlternateContent>
-        <mc:AlternateContent xmlns:mc="http://schemas.openxmlformats.org/markup-compatibility/2006">
-          <mc:Choice xmlns:a14="http://schemas.microsoft.com/office/drawing/2010/main" Requires="a14">
+        <mc:AlternateContent xmlns:mc="http://schemas.openxmlformats.org/markup-compatibility/2006" xmlns:a14="http://schemas.microsoft.com/office/drawing/2010/main">
+          <mc:Choice Requires="a14">
             <p:sp>
               <p:nvSpPr>
                 <p:cNvPr id="55" name="TextBox 54">
@@ -6332,6 +6344,7 @@
                 </a:bodyPr>
                 <a:lstStyle/>
                 <a:p>
+                  <a:pPr/>
                   <a14:m>
                     <m:oMathPara xmlns:m="http://schemas.openxmlformats.org/officeDocument/2006/math">
                       <m:oMathParaPr>
@@ -6535,6 +6548,7 @@
                   <a:endParaRPr lang="en-US" b="0" dirty="0"/>
                 </a:p>
                 <a:p>
+                  <a:pPr/>
                   <a14:m>
                     <m:oMathPara xmlns:m="http://schemas.openxmlformats.org/officeDocument/2006/math">
                       <m:oMathParaPr>
@@ -6740,7 +6754,7 @@
               </p:txBody>
             </p:sp>
           </mc:Choice>
-          <mc:Fallback>
+          <mc:Fallback xmlns="">
             <p:sp>
               <p:nvSpPr>
                 <p:cNvPr id="55" name="TextBox 54">
@@ -7043,7 +7057,7 @@
           <a:p>
             <a:r>
               <a:rPr lang="en-US" dirty="0"/>
-              <a:t>Simplify of the </a:t>
+              <a:t>Sketch of the </a:t>
             </a:r>
             <a:r>
               <a:rPr lang="en-US" sz="2800" dirty="0"/>
@@ -10151,8 +10165,8 @@
           <a:chExt cx="0" cy="0"/>
         </a:xfrm>
       </p:grpSpPr>
-      <mc:AlternateContent xmlns:mc="http://schemas.openxmlformats.org/markup-compatibility/2006">
-        <mc:Choice xmlns:a14="http://schemas.microsoft.com/office/drawing/2010/main" Requires="a14">
+      <mc:AlternateContent xmlns:mc="http://schemas.openxmlformats.org/markup-compatibility/2006" xmlns:a14="http://schemas.microsoft.com/office/drawing/2010/main">
+        <mc:Choice Requires="a14">
           <p:sp>
             <p:nvSpPr>
               <p:cNvPr id="116" name="TextBox 115">
@@ -11403,7 +11417,7 @@
             </p:txBody>
           </p:sp>
         </mc:Choice>
-        <mc:Fallback>
+        <mc:Fallback xmlns="">
           <p:sp>
             <p:nvSpPr>
               <p:cNvPr id="116" name="TextBox 115">
@@ -12971,7 +12985,7 @@
         </p:nvSpPr>
         <p:spPr>
           <a:xfrm>
-            <a:off x="3151748" y="3058581"/>
+            <a:off x="2992461" y="2991293"/>
             <a:ext cx="639919" cy="461665"/>
           </a:xfrm>
           <a:prstGeom prst="rect">
@@ -13223,8 +13237,8 @@
           </a:p>
         </p:txBody>
       </p:sp>
-      <mc:AlternateContent xmlns:mc="http://schemas.openxmlformats.org/markup-compatibility/2006">
-        <mc:Choice xmlns:a14="http://schemas.microsoft.com/office/drawing/2010/main" Requires="a14">
+      <mc:AlternateContent xmlns:mc="http://schemas.openxmlformats.org/markup-compatibility/2006" xmlns:a14="http://schemas.microsoft.com/office/drawing/2010/main">
+        <mc:Choice Requires="a14">
           <p:sp>
             <p:nvSpPr>
               <p:cNvPr id="24" name="TextBox 23">
@@ -13494,7 +13508,7 @@
             </p:txBody>
           </p:sp>
         </mc:Choice>
-        <mc:Fallback>
+        <mc:Fallback xmlns="">
           <p:sp>
             <p:nvSpPr>
               <p:cNvPr id="24" name="TextBox 23">
@@ -14165,8 +14179,8 @@
             </a:p>
           </p:txBody>
         </p:sp>
-        <mc:AlternateContent xmlns:mc="http://schemas.openxmlformats.org/markup-compatibility/2006">
-          <mc:Choice xmlns:a14="http://schemas.microsoft.com/office/drawing/2010/main" Requires="a14">
+        <mc:AlternateContent xmlns:mc="http://schemas.openxmlformats.org/markup-compatibility/2006" xmlns:a14="http://schemas.microsoft.com/office/drawing/2010/main">
+          <mc:Choice Requires="a14">
             <p:sp>
               <p:nvSpPr>
                 <p:cNvPr id="69" name="TextBox 68">
@@ -14262,7 +14276,7 @@
               </p:txBody>
             </p:sp>
           </mc:Choice>
-          <mc:Fallback>
+          <mc:Fallback xmlns="">
             <p:sp>
               <p:nvSpPr>
                 <p:cNvPr id="69" name="TextBox 68">
@@ -14602,8 +14616,8 @@
           </a:p>
         </p:txBody>
       </p:sp>
-      <mc:AlternateContent xmlns:mc="http://schemas.openxmlformats.org/markup-compatibility/2006">
-        <mc:Choice xmlns:a14="http://schemas.microsoft.com/office/drawing/2010/main" Requires="a14">
+      <mc:AlternateContent xmlns:mc="http://schemas.openxmlformats.org/markup-compatibility/2006" xmlns:a14="http://schemas.microsoft.com/office/drawing/2010/main">
+        <mc:Choice Requires="a14">
           <p:sp>
             <p:nvSpPr>
               <p:cNvPr id="21" name="TextBox 20">
@@ -14723,7 +14737,7 @@
             </p:txBody>
           </p:sp>
         </mc:Choice>
-        <mc:Fallback>
+        <mc:Fallback xmlns="">
           <p:sp>
             <p:nvSpPr>
               <p:cNvPr id="21" name="TextBox 20">
@@ -14768,8 +14782,8 @@
           </p:sp>
         </mc:Fallback>
       </mc:AlternateContent>
-      <mc:AlternateContent xmlns:mc="http://schemas.openxmlformats.org/markup-compatibility/2006">
-        <mc:Choice xmlns:a14="http://schemas.microsoft.com/office/drawing/2010/main" Requires="a14">
+      <mc:AlternateContent xmlns:mc="http://schemas.openxmlformats.org/markup-compatibility/2006" xmlns:a14="http://schemas.microsoft.com/office/drawing/2010/main">
+        <mc:Choice Requires="a14">
           <p:sp>
             <p:nvSpPr>
               <p:cNvPr id="22" name="TextBox 21">
@@ -14932,7 +14946,7 @@
             </p:txBody>
           </p:sp>
         </mc:Choice>
-        <mc:Fallback>
+        <mc:Fallback xmlns="">
           <p:sp>
             <p:nvSpPr>
               <p:cNvPr id="22" name="TextBox 21">
@@ -15053,8 +15067,8 @@
           </a:p>
         </p:txBody>
       </p:sp>
-      <mc:AlternateContent xmlns:mc="http://schemas.openxmlformats.org/markup-compatibility/2006">
-        <mc:Choice xmlns:a14="http://schemas.microsoft.com/office/drawing/2010/main" Requires="a14">
+      <mc:AlternateContent xmlns:mc="http://schemas.openxmlformats.org/markup-compatibility/2006" xmlns:a14="http://schemas.microsoft.com/office/drawing/2010/main">
+        <mc:Choice Requires="a14">
           <p:sp>
             <p:nvSpPr>
               <p:cNvPr id="26" name="TextBox 25">
@@ -15085,6 +15099,7 @@
               </a:bodyPr>
               <a:lstStyle/>
               <a:p>
+                <a:pPr/>
                 <a14:m>
                   <m:oMathPara xmlns:m="http://schemas.openxmlformats.org/officeDocument/2006/math">
                     <m:oMathParaPr>
@@ -15191,7 +15206,7 @@
             </p:txBody>
           </p:sp>
         </mc:Choice>
-        <mc:Fallback>
+        <mc:Fallback xmlns="">
           <p:sp>
             <p:nvSpPr>
               <p:cNvPr id="26" name="TextBox 25">
@@ -16750,8 +16765,8 @@
           </a:p>
         </p:txBody>
       </p:sp>
-      <mc:AlternateContent xmlns:mc="http://schemas.openxmlformats.org/markup-compatibility/2006">
-        <mc:Choice xmlns:a14="http://schemas.microsoft.com/office/drawing/2010/main" Requires="a14">
+      <mc:AlternateContent xmlns:mc="http://schemas.openxmlformats.org/markup-compatibility/2006" xmlns:a14="http://schemas.microsoft.com/office/drawing/2010/main">
+        <mc:Choice Requires="a14">
           <p:sp>
             <p:nvSpPr>
               <p:cNvPr id="71" name="TextBox 70">
@@ -17369,7 +17384,7 @@
             </p:txBody>
           </p:sp>
         </mc:Choice>
-        <mc:Fallback>
+        <mc:Fallback xmlns="">
           <p:sp>
             <p:nvSpPr>
               <p:cNvPr id="71" name="TextBox 70">

--- a/NSTX-U High-k Scattering receiver optical calibration_07252024.pptx
+++ b/NSTX-U High-k Scattering receiver optical calibration_07252024.pptx
@@ -5,7 +5,7 @@
     <p:sldMasterId id="2147483648" r:id="rId1"/>
   </p:sldMasterIdLst>
   <p:notesMasterIdLst>
-    <p:notesMasterId r:id="rId15"/>
+    <p:notesMasterId r:id="rId16"/>
   </p:notesMasterIdLst>
   <p:sldIdLst>
     <p:sldId id="256" r:id="rId2"/>
@@ -17,10 +17,11 @@
     <p:sldId id="258" r:id="rId8"/>
     <p:sldId id="261" r:id="rId9"/>
     <p:sldId id="279" r:id="rId10"/>
-    <p:sldId id="269" r:id="rId11"/>
-    <p:sldId id="281" r:id="rId12"/>
-    <p:sldId id="280" r:id="rId13"/>
-    <p:sldId id="264" r:id="rId14"/>
+    <p:sldId id="282" r:id="rId11"/>
+    <p:sldId id="269" r:id="rId12"/>
+    <p:sldId id="281" r:id="rId13"/>
+    <p:sldId id="280" r:id="rId14"/>
+    <p:sldId id="264" r:id="rId15"/>
   </p:sldIdLst>
   <p:sldSz cx="12192000" cy="6858000"/>
   <p:notesSz cx="6858000" cy="9144000"/>
@@ -209,7 +210,7 @@
           <a:p>
             <a:fld id="{AF60D8B1-3022-4980-B7CB-5F1A6EED3A3C}" type="datetimeFigureOut">
               <a:rPr lang="en-US" smtClean="0"/>
-              <a:t>7/25/2024</a:t>
+              <a:t>7/29/2024</a:t>
             </a:fld>
             <a:endParaRPr lang="en-US"/>
           </a:p>
@@ -791,7 +792,7 @@
           <a:p>
             <a:fld id="{270D4FAA-57D5-48F2-8C7B-9CAAC1E82C81}" type="datetimeFigureOut">
               <a:rPr lang="en-US" smtClean="0"/>
-              <a:t>7/25/2024</a:t>
+              <a:t>7/29/2024</a:t>
             </a:fld>
             <a:endParaRPr lang="en-US"/>
           </a:p>
@@ -989,7 +990,7 @@
           <a:p>
             <a:fld id="{270D4FAA-57D5-48F2-8C7B-9CAAC1E82C81}" type="datetimeFigureOut">
               <a:rPr lang="en-US" smtClean="0"/>
-              <a:t>7/25/2024</a:t>
+              <a:t>7/29/2024</a:t>
             </a:fld>
             <a:endParaRPr lang="en-US"/>
           </a:p>
@@ -1197,7 +1198,7 @@
           <a:p>
             <a:fld id="{270D4FAA-57D5-48F2-8C7B-9CAAC1E82C81}" type="datetimeFigureOut">
               <a:rPr lang="en-US" smtClean="0"/>
-              <a:t>7/25/2024</a:t>
+              <a:t>7/29/2024</a:t>
             </a:fld>
             <a:endParaRPr lang="en-US"/>
           </a:p>
@@ -1395,7 +1396,7 @@
           <a:p>
             <a:fld id="{270D4FAA-57D5-48F2-8C7B-9CAAC1E82C81}" type="datetimeFigureOut">
               <a:rPr lang="en-US" smtClean="0"/>
-              <a:t>7/25/2024</a:t>
+              <a:t>7/29/2024</a:t>
             </a:fld>
             <a:endParaRPr lang="en-US"/>
           </a:p>
@@ -1670,7 +1671,7 @@
           <a:p>
             <a:fld id="{270D4FAA-57D5-48F2-8C7B-9CAAC1E82C81}" type="datetimeFigureOut">
               <a:rPr lang="en-US" smtClean="0"/>
-              <a:t>7/25/2024</a:t>
+              <a:t>7/29/2024</a:t>
             </a:fld>
             <a:endParaRPr lang="en-US"/>
           </a:p>
@@ -1935,7 +1936,7 @@
           <a:p>
             <a:fld id="{270D4FAA-57D5-48F2-8C7B-9CAAC1E82C81}" type="datetimeFigureOut">
               <a:rPr lang="en-US" smtClean="0"/>
-              <a:t>7/25/2024</a:t>
+              <a:t>7/29/2024</a:t>
             </a:fld>
             <a:endParaRPr lang="en-US"/>
           </a:p>
@@ -2347,7 +2348,7 @@
           <a:p>
             <a:fld id="{270D4FAA-57D5-48F2-8C7B-9CAAC1E82C81}" type="datetimeFigureOut">
               <a:rPr lang="en-US" smtClean="0"/>
-              <a:t>7/25/2024</a:t>
+              <a:t>7/29/2024</a:t>
             </a:fld>
             <a:endParaRPr lang="en-US"/>
           </a:p>
@@ -2488,7 +2489,7 @@
           <a:p>
             <a:fld id="{270D4FAA-57D5-48F2-8C7B-9CAAC1E82C81}" type="datetimeFigureOut">
               <a:rPr lang="en-US" smtClean="0"/>
-              <a:t>7/25/2024</a:t>
+              <a:t>7/29/2024</a:t>
             </a:fld>
             <a:endParaRPr lang="en-US"/>
           </a:p>
@@ -2601,7 +2602,7 @@
           <a:p>
             <a:fld id="{270D4FAA-57D5-48F2-8C7B-9CAAC1E82C81}" type="datetimeFigureOut">
               <a:rPr lang="en-US" smtClean="0"/>
-              <a:t>7/25/2024</a:t>
+              <a:t>7/29/2024</a:t>
             </a:fld>
             <a:endParaRPr lang="en-US"/>
           </a:p>
@@ -2912,7 +2913,7 @@
           <a:p>
             <a:fld id="{270D4FAA-57D5-48F2-8C7B-9CAAC1E82C81}" type="datetimeFigureOut">
               <a:rPr lang="en-US" smtClean="0"/>
-              <a:t>7/25/2024</a:t>
+              <a:t>7/29/2024</a:t>
             </a:fld>
             <a:endParaRPr lang="en-US"/>
           </a:p>
@@ -3200,7 +3201,7 @@
           <a:p>
             <a:fld id="{270D4FAA-57D5-48F2-8C7B-9CAAC1E82C81}" type="datetimeFigureOut">
               <a:rPr lang="en-US" smtClean="0"/>
-              <a:t>7/25/2024</a:t>
+              <a:t>7/29/2024</a:t>
             </a:fld>
             <a:endParaRPr lang="en-US"/>
           </a:p>
@@ -3441,7 +3442,7 @@
           <a:p>
             <a:fld id="{270D4FAA-57D5-48F2-8C7B-9CAAC1E82C81}" type="datetimeFigureOut">
               <a:rPr lang="en-US" smtClean="0"/>
-              <a:t>7/25/2024</a:t>
+              <a:t>7/29/2024</a:t>
             </a:fld>
             <a:endParaRPr lang="en-US"/>
           </a:p>
@@ -3950,6 +3951,2839 @@
           <a:chExt cx="0" cy="0"/>
         </a:xfrm>
       </p:grpSpPr>
+      <p:sp>
+        <p:nvSpPr>
+          <p:cNvPr id="2" name="TextBox 1">
+            <a:extLst>
+              <a:ext uri="{FF2B5EF4-FFF2-40B4-BE49-F238E27FC236}">
+                <a16:creationId xmlns:a16="http://schemas.microsoft.com/office/drawing/2014/main" id="{3105620B-CC33-4629-98A9-F6F34F1FDF2C}"/>
+              </a:ext>
+            </a:extLst>
+          </p:cNvPr>
+          <p:cNvSpPr txBox="1"/>
+          <p:nvPr/>
+        </p:nvSpPr>
+        <p:spPr>
+          <a:xfrm>
+            <a:off x="-83128" y="0"/>
+            <a:ext cx="6594764" cy="369332"/>
+          </a:xfrm>
+          <a:prstGeom prst="rect">
+            <a:avLst/>
+          </a:prstGeom>
+          <a:noFill/>
+        </p:spPr>
+        <p:txBody>
+          <a:bodyPr wrap="square" rtlCol="0">
+            <a:spAutoFit/>
+          </a:bodyPr>
+          <a:lstStyle/>
+          <a:p>
+            <a:r>
+              <a:rPr lang="en-US" dirty="0"/>
+              <a:t>F</a:t>
+            </a:r>
+            <a:r>
+              <a:rPr lang="en-US" altLang="zh-CN" dirty="0"/>
+              <a:t>rom Interaction region to antenna setup </a:t>
+            </a:r>
+            <a:endParaRPr lang="en-US" dirty="0"/>
+          </a:p>
+        </p:txBody>
+      </p:sp>
+      <mc:AlternateContent xmlns:mc="http://schemas.openxmlformats.org/markup-compatibility/2006">
+        <mc:Choice xmlns:a14="http://schemas.microsoft.com/office/drawing/2010/main" Requires="a14">
+          <p:sp>
+            <p:nvSpPr>
+              <p:cNvPr id="3" name="TextBox 2">
+                <a:extLst>
+                  <a:ext uri="{FF2B5EF4-FFF2-40B4-BE49-F238E27FC236}">
+                    <a16:creationId xmlns:a16="http://schemas.microsoft.com/office/drawing/2014/main" id="{8D2761C9-EAA8-47F1-838E-36E0C2FA2968}"/>
+                  </a:ext>
+                </a:extLst>
+              </p:cNvPr>
+              <p:cNvSpPr txBox="1"/>
+              <p:nvPr/>
+            </p:nvSpPr>
+            <p:spPr>
+              <a:xfrm>
+                <a:off x="2593340" y="1081682"/>
+                <a:ext cx="4335631" cy="4524315"/>
+              </a:xfrm>
+              <a:prstGeom prst="rect">
+                <a:avLst/>
+              </a:prstGeom>
+              <a:noFill/>
+            </p:spPr>
+            <p:txBody>
+              <a:bodyPr wrap="square" rtlCol="0">
+                <a:spAutoFit/>
+              </a:bodyPr>
+              <a:lstStyle/>
+              <a:p>
+                <a:pPr>
+                  <a:lnSpc>
+                    <a:spcPct val="90000"/>
+                  </a:lnSpc>
+                  <a:spcBef>
+                    <a:spcPts val="1200"/>
+                  </a:spcBef>
+                </a:pPr>
+                <a14:m>
+                  <m:oMath xmlns:m="http://schemas.openxmlformats.org/officeDocument/2006/math">
+                    <m:r>
+                      <m:rPr>
+                        <m:nor/>
+                      </m:rPr>
+                      <a:rPr lang="en-US" altLang="zh-CN" dirty="0" smtClean="0"/>
+                      <m:t>Φ</m:t>
+                    </m:r>
+                    <m:r>
+                      <m:rPr>
+                        <m:nor/>
+                      </m:rPr>
+                      <a:rPr lang="en-US" altLang="zh-CN" baseline="-25000" dirty="0" smtClean="0"/>
+                      <m:t>RA</m:t>
+                    </m:r>
+                  </m:oMath>
+                </a14:m>
+                <a:r>
+                  <a:rPr lang="en-US" sz="2000" dirty="0"/>
+                  <a:t>=</a:t>
+                </a:r>
+                <a:r>
+                  <a:rPr lang="en-US" sz="2000" dirty="0" err="1"/>
+                  <a:t>atan</a:t>
+                </a:r>
+                <a:r>
+                  <a:rPr lang="en-US" sz="2000" dirty="0"/>
+                  <a:t>(x/y)+2</a:t>
+                </a:r>
+                <a:r>
+                  <a:rPr lang="en-US" altLang="zh-CN" sz="2000" dirty="0"/>
+                  <a:t>α</a:t>
+                </a:r>
+                <a:endParaRPr lang="en-US" sz="2000" baseline="-25000" dirty="0"/>
+              </a:p>
+              <a:p>
+                <a:pPr>
+                  <a:lnSpc>
+                    <a:spcPct val="90000"/>
+                  </a:lnSpc>
+                  <a:spcBef>
+                    <a:spcPts val="1200"/>
+                  </a:spcBef>
+                </a:pPr>
+                <a:r>
+                  <a:rPr lang="en-US" sz="2000" dirty="0" err="1"/>
+                  <a:t>x</a:t>
+                </a:r>
+                <a:r>
+                  <a:rPr lang="en-US" sz="2000" baseline="-25000" dirty="0" err="1"/>
+                  <a:t>RW</a:t>
+                </a:r>
+                <a:r>
+                  <a:rPr lang="en-US" sz="2000" dirty="0"/>
+                  <a:t>= </a:t>
+                </a:r>
+                <a:r>
+                  <a:rPr lang="en-US" sz="2000" dirty="0" err="1"/>
+                  <a:t>L</a:t>
+                </a:r>
+                <a:r>
+                  <a:rPr lang="en-US" sz="2000" baseline="-25000" dirty="0" err="1"/>
+                  <a:t>off</a:t>
+                </a:r>
+                <a:r>
+                  <a:rPr lang="en-US" sz="2000" baseline="-25000" dirty="0"/>
+                  <a:t>-axis</a:t>
+                </a:r>
+                <a:r>
+                  <a:rPr lang="en-US" sz="2000" dirty="0"/>
+                  <a:t>+(x-y</a:t>
+                </a:r>
+                <a:r>
+                  <a:rPr lang="en-US" altLang="zh-CN" sz="2000" dirty="0"/>
+                  <a:t>·tan(Φ</a:t>
+                </a:r>
+                <a:r>
+                  <a:rPr lang="en-US" altLang="zh-CN" sz="2000" baseline="-25000" dirty="0"/>
+                  <a:t>RA</a:t>
+                </a:r>
+                <a:r>
+                  <a:rPr lang="en-US" altLang="zh-CN" sz="2000" dirty="0"/>
+                  <a:t>))</a:t>
+                </a:r>
+                <a:br>
+                  <a:rPr lang="en-US" sz="2000" dirty="0"/>
+                </a:br>
+                <a:r>
+                  <a:rPr lang="el-GR" sz="2000" dirty="0"/>
+                  <a:t>ψ</a:t>
+                </a:r>
+                <a:r>
+                  <a:rPr lang="en-US" sz="2000" baseline="-25000" dirty="0"/>
+                  <a:t>X</a:t>
+                </a:r>
+                <a:r>
+                  <a:rPr lang="en-US" sz="2000" dirty="0"/>
+                  <a:t> = tan</a:t>
+                </a:r>
+                <a:r>
+                  <a:rPr lang="en-US" sz="2000" baseline="30000" dirty="0"/>
+                  <a:t>‒1</a:t>
+                </a:r>
+                <a:r>
+                  <a:rPr lang="en-US" sz="2000" dirty="0"/>
+                  <a:t>(</a:t>
+                </a:r>
+                <a:r>
+                  <a:rPr lang="en-US" sz="2000" dirty="0" err="1"/>
+                  <a:t>x</a:t>
+                </a:r>
+                <a:r>
+                  <a:rPr lang="en-US" sz="2000" baseline="-25000" dirty="0" err="1"/>
+                  <a:t>RW</a:t>
+                </a:r>
+                <a:r>
+                  <a:rPr lang="en-US" sz="2000" dirty="0"/>
+                  <a:t>/R</a:t>
+                </a:r>
+                <a:r>
+                  <a:rPr lang="en-US" sz="2000" baseline="-25000" dirty="0"/>
+                  <a:t>RW</a:t>
+                </a:r>
+                <a:r>
+                  <a:rPr lang="en-US" sz="2000" dirty="0"/>
+                  <a:t>)</a:t>
+                </a:r>
+              </a:p>
+              <a:p>
+                <a:pPr marL="512763" indent="-512763">
+                  <a:lnSpc>
+                    <a:spcPct val="90000"/>
+                  </a:lnSpc>
+                  <a:spcBef>
+                    <a:spcPts val="1200"/>
+                  </a:spcBef>
+                </a:pPr>
+                <a:r>
+                  <a:rPr lang="el-GR" sz="2000" u="sng" dirty="0"/>
+                  <a:t>φ</a:t>
+                </a:r>
+                <a:r>
+                  <a:rPr lang="en-US" sz="2000" baseline="-25000" dirty="0"/>
+                  <a:t>RA</a:t>
+                </a:r>
+                <a:r>
+                  <a:rPr lang="en-US" sz="2000" dirty="0"/>
+                  <a:t> = </a:t>
+                </a:r>
+                <a:r>
+                  <a:rPr lang="el-GR" sz="2000" dirty="0"/>
+                  <a:t>φ</a:t>
+                </a:r>
+                <a:r>
+                  <a:rPr lang="en-US" sz="2000" baseline="-25000" dirty="0"/>
+                  <a:t>RA</a:t>
+                </a:r>
+                <a:r>
+                  <a:rPr lang="en-US" sz="2000" dirty="0"/>
+                  <a:t> + </a:t>
+                </a:r>
+                <a:r>
+                  <a:rPr lang="el-GR" sz="2000" dirty="0"/>
+                  <a:t>ψ</a:t>
+                </a:r>
+                <a:r>
+                  <a:rPr lang="en-US" sz="2000" baseline="-25000" dirty="0"/>
+                  <a:t>X</a:t>
+                </a:r>
+                <a:endParaRPr lang="en-US" sz="2000" dirty="0"/>
+              </a:p>
+              <a:p>
+                <a:pPr marL="512763" indent="-512763">
+                  <a:lnSpc>
+                    <a:spcPct val="90000"/>
+                  </a:lnSpc>
+                  <a:spcBef>
+                    <a:spcPts val="1200"/>
+                  </a:spcBef>
+                </a:pPr>
+                <a:r>
+                  <a:rPr lang="en-US" sz="2000" u="sng" dirty="0"/>
+                  <a:t>R</a:t>
+                </a:r>
+                <a:r>
+                  <a:rPr lang="en-US" sz="2000" baseline="-25000" dirty="0"/>
+                  <a:t>RW</a:t>
+                </a:r>
+                <a:r>
+                  <a:rPr lang="en-US" sz="2000" baseline="30000" dirty="0"/>
+                  <a:t>2</a:t>
+                </a:r>
+                <a:r>
+                  <a:rPr lang="en-US" sz="2000" dirty="0"/>
+                  <a:t> = R</a:t>
+                </a:r>
+                <a:r>
+                  <a:rPr lang="en-US" sz="2000" baseline="-25000" dirty="0"/>
+                  <a:t>RW</a:t>
+                </a:r>
+                <a:r>
+                  <a:rPr lang="en-US" sz="2000" baseline="30000" dirty="0"/>
+                  <a:t>2</a:t>
+                </a:r>
+                <a:r>
+                  <a:rPr lang="en-US" sz="2000" dirty="0"/>
+                  <a:t> + x</a:t>
+                </a:r>
+                <a:r>
+                  <a:rPr lang="en-US" sz="2000" baseline="-25000" dirty="0"/>
+                  <a:t>RW</a:t>
+                </a:r>
+                <a:r>
+                  <a:rPr lang="en-US" sz="2000" baseline="30000" dirty="0"/>
+                  <a:t>2</a:t>
+                </a:r>
+              </a:p>
+              <a:p>
+                <a:pPr marL="512763" indent="-512763">
+                  <a:lnSpc>
+                    <a:spcPct val="90000"/>
+                  </a:lnSpc>
+                  <a:spcBef>
+                    <a:spcPts val="1200"/>
+                  </a:spcBef>
+                </a:pPr>
+                <a:r>
+                  <a:rPr lang="en-US" sz="2000" u="sng" dirty="0" err="1"/>
+                  <a:t>z</a:t>
+                </a:r>
+                <a:r>
+                  <a:rPr lang="en-US" sz="2000" baseline="-25000" dirty="0" err="1"/>
+                  <a:t>IR</a:t>
+                </a:r>
+                <a:r>
+                  <a:rPr lang="en-US" sz="2000" dirty="0"/>
+                  <a:t>=Lt*cos(</a:t>
+                </a:r>
+                <a:r>
+                  <a:rPr lang="en-US" altLang="zh-CN" sz="2000" dirty="0" err="1"/>
+                  <a:t>θ</a:t>
+                </a:r>
+                <a:r>
+                  <a:rPr lang="en-US" altLang="zh-CN" sz="2000" baseline="-25000" dirty="0" err="1"/>
+                  <a:t>tilt</a:t>
+                </a:r>
+                <a:r>
+                  <a:rPr lang="en-US" sz="2000" dirty="0"/>
+                  <a:t>)-</a:t>
+                </a:r>
+                <a:r>
+                  <a:rPr lang="en-US" sz="2000" dirty="0" err="1"/>
+                  <a:t>Lw</a:t>
+                </a:r>
+                <a:r>
+                  <a:rPr lang="en-US" sz="2000" dirty="0"/>
+                  <a:t> *cos(</a:t>
+                </a:r>
+                <a:r>
+                  <a:rPr lang="en-US" altLang="zh-CN" sz="2000" dirty="0" err="1"/>
+                  <a:t>θ</a:t>
+                </a:r>
+                <a:r>
+                  <a:rPr lang="en-US" altLang="zh-CN" sz="2000" baseline="-25000" dirty="0" err="1"/>
+                  <a:t>tilt</a:t>
+                </a:r>
+                <a:r>
+                  <a:rPr lang="en-US" sz="2000" dirty="0"/>
+                  <a:t>)- S</a:t>
+                </a:r>
+                <a:r>
+                  <a:rPr lang="en-US" sz="2000" baseline="-25000" dirty="0"/>
+                  <a:t>R</a:t>
+                </a:r>
+                <a:endParaRPr lang="en-US" sz="2000" dirty="0"/>
+              </a:p>
+              <a:p>
+                <a:pPr marL="512763" indent="-512763">
+                  <a:lnSpc>
+                    <a:spcPct val="90000"/>
+                  </a:lnSpc>
+                  <a:spcBef>
+                    <a:spcPts val="1200"/>
+                  </a:spcBef>
+                </a:pPr>
+                <a:r>
+                  <a:rPr lang="en-US" sz="2000" dirty="0"/>
+                  <a:t>R</a:t>
+                </a:r>
+                <a:r>
+                  <a:rPr lang="en-US" sz="2000" baseline="-25000" dirty="0"/>
+                  <a:t>IR</a:t>
+                </a:r>
+                <a:r>
+                  <a:rPr lang="en-US" sz="2000" baseline="30000" dirty="0"/>
+                  <a:t>2</a:t>
+                </a:r>
+                <a:r>
+                  <a:rPr lang="en-US" sz="2000" dirty="0"/>
+                  <a:t> = </a:t>
+                </a:r>
+                <a:r>
+                  <a:rPr lang="en-US" sz="2000" u="sng" dirty="0"/>
+                  <a:t>R</a:t>
+                </a:r>
+                <a:r>
+                  <a:rPr lang="en-US" sz="2000" baseline="-25000" dirty="0"/>
+                  <a:t>RW</a:t>
+                </a:r>
+                <a:r>
+                  <a:rPr lang="en-US" sz="2000" baseline="30000" dirty="0"/>
+                  <a:t>2</a:t>
+                </a:r>
+                <a:r>
+                  <a:rPr lang="en-US" sz="2000" dirty="0"/>
+                  <a:t> + </a:t>
+                </a:r>
+                <a:r>
+                  <a:rPr lang="en-US" sz="2000" u="sng" dirty="0"/>
+                  <a:t>z</a:t>
+                </a:r>
+                <a:r>
+                  <a:rPr lang="en-US" sz="2000" baseline="-25000" dirty="0"/>
+                  <a:t>IR</a:t>
+                </a:r>
+                <a:r>
+                  <a:rPr lang="en-US" sz="2000" baseline="30000" dirty="0"/>
+                  <a:t>2</a:t>
+                </a:r>
+                <a:r>
+                  <a:rPr lang="en-US" sz="2000" dirty="0"/>
+                  <a:t> – 2</a:t>
+                </a:r>
+                <a:r>
+                  <a:rPr lang="en-US" sz="2000" u="sng" dirty="0"/>
+                  <a:t>R</a:t>
+                </a:r>
+                <a:r>
+                  <a:rPr lang="en-US" sz="2000" baseline="-25000" dirty="0"/>
+                  <a:t>RW</a:t>
+                </a:r>
+                <a:r>
+                  <a:rPr lang="en-US" sz="2000" dirty="0"/>
+                  <a:t>·</a:t>
+                </a:r>
+                <a:r>
+                  <a:rPr lang="en-US" sz="2000" u="sng" dirty="0"/>
+                  <a:t>z</a:t>
+                </a:r>
+                <a:r>
+                  <a:rPr lang="en-US" sz="2000" baseline="-25000" dirty="0"/>
+                  <a:t>IR</a:t>
+                </a:r>
+                <a:r>
+                  <a:rPr lang="en-US" sz="2000" dirty="0"/>
+                  <a:t>·cos(</a:t>
+                </a:r>
+                <a:r>
+                  <a:rPr lang="el-GR" sz="2000" u="sng" dirty="0"/>
+                  <a:t>φ</a:t>
+                </a:r>
+                <a:r>
+                  <a:rPr lang="en-US" sz="2000" baseline="-25000" dirty="0"/>
+                  <a:t>RA</a:t>
+                </a:r>
+                <a:r>
+                  <a:rPr lang="en-US" sz="2000" dirty="0"/>
+                  <a:t>)</a:t>
+                </a:r>
+              </a:p>
+              <a:p>
+                <a:pPr marL="512763" indent="-512763">
+                  <a:lnSpc>
+                    <a:spcPct val="90000"/>
+                  </a:lnSpc>
+                  <a:spcBef>
+                    <a:spcPts val="1200"/>
+                  </a:spcBef>
+                </a:pPr>
+                <a:r>
+                  <a:rPr lang="el-GR" sz="2000" dirty="0"/>
+                  <a:t>ψ</a:t>
+                </a:r>
+                <a:r>
+                  <a:rPr lang="en-US" sz="2000" baseline="-25000" dirty="0"/>
+                  <a:t>RA</a:t>
+                </a:r>
+                <a:r>
+                  <a:rPr lang="en-US" sz="2000" dirty="0"/>
+                  <a:t> = </a:t>
+                </a:r>
+                <a:r>
+                  <a:rPr lang="el-GR" sz="2000" dirty="0"/>
+                  <a:t>ψ</a:t>
+                </a:r>
+                <a:r>
+                  <a:rPr lang="en-US" sz="2000" baseline="-25000" dirty="0"/>
+                  <a:t>X</a:t>
+                </a:r>
+                <a:r>
+                  <a:rPr lang="en-US" sz="2000" dirty="0"/>
+                  <a:t> + sin</a:t>
+                </a:r>
+                <a:r>
+                  <a:rPr lang="en-US" sz="2000" baseline="30000" dirty="0"/>
+                  <a:t>‒1</a:t>
+                </a:r>
+                <a:r>
+                  <a:rPr lang="en-US" sz="2000" dirty="0"/>
+                  <a:t>((</a:t>
+                </a:r>
+                <a:r>
+                  <a:rPr lang="en-US" sz="2000" u="sng" dirty="0"/>
+                  <a:t>z</a:t>
+                </a:r>
+                <a:r>
+                  <a:rPr lang="en-US" sz="2000" baseline="-25000" dirty="0"/>
+                  <a:t>IR</a:t>
+                </a:r>
+                <a:r>
+                  <a:rPr lang="en-US" sz="2000" dirty="0"/>
+                  <a:t>/R</a:t>
+                </a:r>
+                <a:r>
+                  <a:rPr lang="en-US" sz="2000" baseline="-25000" dirty="0"/>
+                  <a:t>IR</a:t>
+                </a:r>
+                <a:r>
+                  <a:rPr lang="en-US" sz="2000" dirty="0"/>
+                  <a:t>)·sin(</a:t>
+                </a:r>
+                <a:r>
+                  <a:rPr lang="el-GR" sz="2000" u="sng" dirty="0"/>
+                  <a:t>φ</a:t>
+                </a:r>
+                <a:r>
+                  <a:rPr lang="en-US" sz="2000" baseline="-25000" dirty="0"/>
+                  <a:t>RA</a:t>
+                </a:r>
+                <a:r>
+                  <a:rPr lang="en-US" sz="2000" dirty="0"/>
+                  <a:t>))</a:t>
+                </a:r>
+              </a:p>
+              <a:p>
+                <a:pPr marL="512763" indent="-512763">
+                  <a:lnSpc>
+                    <a:spcPct val="90000"/>
+                  </a:lnSpc>
+                  <a:spcBef>
+                    <a:spcPts val="1200"/>
+                  </a:spcBef>
+                </a:pPr>
+                <a:r>
+                  <a:rPr lang="el-GR" sz="2000" dirty="0"/>
+                  <a:t>ψ</a:t>
+                </a:r>
+                <a:r>
+                  <a:rPr lang="en-US" sz="2000" baseline="-25000" dirty="0"/>
+                  <a:t>R</a:t>
+                </a:r>
+                <a:r>
+                  <a:rPr lang="en-US" sz="2000" dirty="0"/>
+                  <a:t> = </a:t>
+                </a:r>
+                <a:r>
+                  <a:rPr lang="el-GR" sz="2000" dirty="0"/>
+                  <a:t>ψ</a:t>
+                </a:r>
+                <a:r>
+                  <a:rPr lang="en-US" sz="2000" baseline="-25000" dirty="0"/>
+                  <a:t>RA</a:t>
+                </a:r>
+                <a:r>
+                  <a:rPr lang="en-US" sz="2000" dirty="0"/>
+                  <a:t> + </a:t>
+                </a:r>
+                <a:r>
+                  <a:rPr lang="el-GR" sz="2000" dirty="0"/>
+                  <a:t>φ</a:t>
+                </a:r>
+                <a:r>
+                  <a:rPr lang="en-US" sz="2000" baseline="-25000" dirty="0"/>
+                  <a:t>RA</a:t>
+                </a:r>
+              </a:p>
+              <a:p>
+                <a:pPr marL="512763" indent="-512763">
+                  <a:lnSpc>
+                    <a:spcPct val="90000"/>
+                  </a:lnSpc>
+                  <a:spcBef>
+                    <a:spcPts val="1200"/>
+                  </a:spcBef>
+                </a:pPr>
+                <a:r>
+                  <a:rPr lang="en-US" altLang="zh-CN" sz="2000" dirty="0"/>
+                  <a:t>Z = </a:t>
+                </a:r>
+                <a:r>
+                  <a:rPr lang="en-US" altLang="zh-CN" sz="2000" dirty="0" err="1"/>
+                  <a:t>γ</a:t>
+                </a:r>
+                <a:r>
+                  <a:rPr lang="en-US" altLang="zh-CN" sz="2000" baseline="-25000" dirty="0" err="1"/>
+                  <a:t>IR</a:t>
+                </a:r>
+                <a:r>
+                  <a:rPr lang="en-US" altLang="zh-CN" sz="2000" dirty="0"/>
+                  <a:t>-Lt*sin(</a:t>
+                </a:r>
+                <a:r>
+                  <a:rPr lang="en-US" altLang="zh-CN" sz="2000" dirty="0" err="1"/>
+                  <a:t>θ</a:t>
+                </a:r>
+                <a:r>
+                  <a:rPr lang="en-US" altLang="zh-CN" sz="2000" baseline="-25000" dirty="0" err="1"/>
+                  <a:t>tilt</a:t>
+                </a:r>
+                <a:r>
+                  <a:rPr lang="en-US" altLang="zh-CN" sz="2000" dirty="0"/>
+                  <a:t>)</a:t>
+                </a:r>
+              </a:p>
+              <a:p>
+                <a:pPr marL="512763" indent="-512763">
+                  <a:lnSpc>
+                    <a:spcPct val="90000"/>
+                  </a:lnSpc>
+                  <a:spcBef>
+                    <a:spcPts val="1200"/>
+                  </a:spcBef>
+                </a:pPr>
+                <a:r>
+                  <a:rPr lang="en-US" sz="2000" dirty="0" err="1"/>
+                  <a:t>z</a:t>
+                </a:r>
+                <a:r>
+                  <a:rPr lang="en-US" sz="2000" baseline="-25000" dirty="0" err="1"/>
+                  <a:t>IR</a:t>
+                </a:r>
+                <a:r>
+                  <a:rPr lang="en-US" sz="2000" dirty="0"/>
+                  <a:t>=</a:t>
+                </a:r>
+                <a:r>
+                  <a:rPr lang="en-US" altLang="zh-CN" sz="2000" u="sng" dirty="0" err="1"/>
+                  <a:t>z</a:t>
+                </a:r>
+                <a:r>
+                  <a:rPr lang="en-US" sz="2000" baseline="-25000" dirty="0" err="1"/>
+                  <a:t>IR</a:t>
+                </a:r>
+                <a:r>
+                  <a:rPr lang="en-US" sz="2000" dirty="0"/>
+                  <a:t>/ cos(</a:t>
+                </a:r>
+                <a:r>
+                  <a:rPr lang="en-US" altLang="zh-CN" sz="2000" dirty="0" err="1"/>
+                  <a:t>θ</a:t>
+                </a:r>
+                <a:r>
+                  <a:rPr lang="en-US" altLang="zh-CN" sz="2000" baseline="-25000" dirty="0" err="1"/>
+                  <a:t>tilt</a:t>
+                </a:r>
+                <a:r>
+                  <a:rPr lang="en-US" sz="2000" dirty="0"/>
+                  <a:t>)</a:t>
+                </a:r>
+              </a:p>
+            </p:txBody>
+          </p:sp>
+        </mc:Choice>
+        <mc:Fallback>
+          <p:sp>
+            <p:nvSpPr>
+              <p:cNvPr id="3" name="TextBox 2">
+                <a:extLst>
+                  <a:ext uri="{FF2B5EF4-FFF2-40B4-BE49-F238E27FC236}">
+                    <a16:creationId xmlns:a16="http://schemas.microsoft.com/office/drawing/2014/main" id="{8D2761C9-EAA8-47F1-838E-36E0C2FA2968}"/>
+                  </a:ext>
+                </a:extLst>
+              </p:cNvPr>
+              <p:cNvSpPr txBox="1">
+                <a:spLocks noRot="1" noChangeAspect="1" noMove="1" noResize="1" noEditPoints="1" noAdjustHandles="1" noChangeArrowheads="1" noChangeShapeType="1" noTextEdit="1"/>
+              </p:cNvSpPr>
+              <p:nvPr/>
+            </p:nvSpPr>
+            <p:spPr>
+              <a:xfrm>
+                <a:off x="2593340" y="1081682"/>
+                <a:ext cx="4335631" cy="4524315"/>
+              </a:xfrm>
+              <a:prstGeom prst="rect">
+                <a:avLst/>
+              </a:prstGeom>
+              <a:blipFill>
+                <a:blip r:embed="rId2"/>
+                <a:stretch>
+                  <a:fillRect l="-1404" t="-1346" b="-1346"/>
+                </a:stretch>
+              </a:blipFill>
+            </p:spPr>
+            <p:txBody>
+              <a:bodyPr/>
+              <a:lstStyle/>
+              <a:p>
+                <a:r>
+                  <a:rPr lang="en-US">
+                    <a:noFill/>
+                  </a:rPr>
+                  <a:t> </a:t>
+                </a:r>
+              </a:p>
+            </p:txBody>
+          </p:sp>
+        </mc:Fallback>
+      </mc:AlternateContent>
+      <p:grpSp>
+        <p:nvGrpSpPr>
+          <p:cNvPr id="31" name="Group 30">
+            <a:extLst>
+              <a:ext uri="{FF2B5EF4-FFF2-40B4-BE49-F238E27FC236}">
+                <a16:creationId xmlns:a16="http://schemas.microsoft.com/office/drawing/2014/main" id="{033E2962-84EC-4938-98AD-6B81800BB3ED}"/>
+              </a:ext>
+            </a:extLst>
+          </p:cNvPr>
+          <p:cNvGrpSpPr/>
+          <p:nvPr/>
+        </p:nvGrpSpPr>
+        <p:grpSpPr>
+          <a:xfrm>
+            <a:off x="0" y="340135"/>
+            <a:ext cx="2635690" cy="6273598"/>
+            <a:chOff x="3811291" y="247938"/>
+            <a:chExt cx="2801299" cy="6806795"/>
+          </a:xfrm>
+        </p:grpSpPr>
+        <p:grpSp>
+          <p:nvGrpSpPr>
+            <p:cNvPr id="4" name="Group 3">
+              <a:extLst>
+                <a:ext uri="{FF2B5EF4-FFF2-40B4-BE49-F238E27FC236}">
+                  <a16:creationId xmlns:a16="http://schemas.microsoft.com/office/drawing/2014/main" id="{F8FA70C7-0058-4C59-9620-AE25A4C60BFD}"/>
+                </a:ext>
+              </a:extLst>
+            </p:cNvPr>
+            <p:cNvGrpSpPr/>
+            <p:nvPr/>
+          </p:nvGrpSpPr>
+          <p:grpSpPr>
+            <a:xfrm>
+              <a:off x="4066014" y="247938"/>
+              <a:ext cx="2546576" cy="6806795"/>
+              <a:chOff x="8489250" y="63905"/>
+              <a:chExt cx="2546576" cy="6806795"/>
+            </a:xfrm>
+          </p:grpSpPr>
+          <p:sp>
+            <p:nvSpPr>
+              <p:cNvPr id="5" name="TextBox 4">
+                <a:extLst>
+                  <a:ext uri="{FF2B5EF4-FFF2-40B4-BE49-F238E27FC236}">
+                    <a16:creationId xmlns:a16="http://schemas.microsoft.com/office/drawing/2014/main" id="{339219C9-0015-4897-8AE6-ADABB0963D01}"/>
+                  </a:ext>
+                </a:extLst>
+              </p:cNvPr>
+              <p:cNvSpPr txBox="1"/>
+              <p:nvPr/>
+            </p:nvSpPr>
+            <p:spPr>
+              <a:xfrm>
+                <a:off x="9192092" y="63905"/>
+                <a:ext cx="1791260" cy="461665"/>
+              </a:xfrm>
+              <a:prstGeom prst="rect">
+                <a:avLst/>
+              </a:prstGeom>
+              <a:noFill/>
+            </p:spPr>
+            <p:txBody>
+              <a:bodyPr wrap="none" rtlCol="0">
+                <a:spAutoFit/>
+              </a:bodyPr>
+              <a:lstStyle/>
+              <a:p>
+                <a:r>
+                  <a:rPr lang="en-US" sz="2400" b="1" dirty="0"/>
+                  <a:t>Torus Center</a:t>
+                </a:r>
+              </a:p>
+            </p:txBody>
+          </p:sp>
+          <p:sp>
+            <p:nvSpPr>
+              <p:cNvPr id="6" name="TextBox 5">
+                <a:extLst>
+                  <a:ext uri="{FF2B5EF4-FFF2-40B4-BE49-F238E27FC236}">
+                    <a16:creationId xmlns:a16="http://schemas.microsoft.com/office/drawing/2014/main" id="{265D4E88-F977-4228-A711-E603C259A0CD}"/>
+                  </a:ext>
+                </a:extLst>
+              </p:cNvPr>
+              <p:cNvSpPr txBox="1"/>
+              <p:nvPr/>
+            </p:nvSpPr>
+            <p:spPr>
+              <a:xfrm>
+                <a:off x="8489250" y="3019111"/>
+                <a:ext cx="1791260" cy="690638"/>
+              </a:xfrm>
+              <a:prstGeom prst="rect">
+                <a:avLst/>
+              </a:prstGeom>
+              <a:noFill/>
+            </p:spPr>
+            <p:txBody>
+              <a:bodyPr wrap="square" rtlCol="0">
+                <a:spAutoFit/>
+              </a:bodyPr>
+              <a:lstStyle/>
+              <a:p>
+                <a:pPr>
+                  <a:lnSpc>
+                    <a:spcPct val="80000"/>
+                  </a:lnSpc>
+                </a:pPr>
+                <a:r>
+                  <a:rPr lang="en-US" sz="2400" b="1" dirty="0"/>
+                  <a:t>Interaction Region (IR)</a:t>
+                </a:r>
+              </a:p>
+            </p:txBody>
+          </p:sp>
+          <p:sp>
+            <p:nvSpPr>
+              <p:cNvPr id="7" name="Oval 6">
+                <a:extLst>
+                  <a:ext uri="{FF2B5EF4-FFF2-40B4-BE49-F238E27FC236}">
+                    <a16:creationId xmlns:a16="http://schemas.microsoft.com/office/drawing/2014/main" id="{D9BA460C-A711-4877-AA35-6AC191D6747E}"/>
+                  </a:ext>
+                </a:extLst>
+              </p:cNvPr>
+              <p:cNvSpPr/>
+              <p:nvPr/>
+            </p:nvSpPr>
+            <p:spPr>
+              <a:xfrm>
+                <a:off x="10270150" y="3183046"/>
+                <a:ext cx="182880" cy="182880"/>
+              </a:xfrm>
+              <a:prstGeom prst="ellipse">
+                <a:avLst/>
+              </a:prstGeom>
+              <a:solidFill>
+                <a:schemeClr val="tx1"/>
+              </a:solidFill>
+            </p:spPr>
+            <p:style>
+              <a:lnRef idx="2">
+                <a:schemeClr val="accent1">
+                  <a:shade val="50000"/>
+                </a:schemeClr>
+              </a:lnRef>
+              <a:fillRef idx="1">
+                <a:schemeClr val="accent1"/>
+              </a:fillRef>
+              <a:effectRef idx="0">
+                <a:schemeClr val="accent1"/>
+              </a:effectRef>
+              <a:fontRef idx="minor">
+                <a:schemeClr val="lt1"/>
+              </a:fontRef>
+            </p:style>
+            <p:txBody>
+              <a:bodyPr rtlCol="0" anchor="ctr"/>
+              <a:lstStyle/>
+              <a:p>
+                <a:pPr algn="ctr"/>
+                <a:endParaRPr lang="en-US"/>
+              </a:p>
+            </p:txBody>
+          </p:sp>
+          <p:cxnSp>
+            <p:nvCxnSpPr>
+              <p:cNvPr id="8" name="Straight Connector 7">
+                <a:extLst>
+                  <a:ext uri="{FF2B5EF4-FFF2-40B4-BE49-F238E27FC236}">
+                    <a16:creationId xmlns:a16="http://schemas.microsoft.com/office/drawing/2014/main" id="{D37A70FE-FB98-4966-861C-27D87DC19298}"/>
+                  </a:ext>
+                </a:extLst>
+              </p:cNvPr>
+              <p:cNvCxnSpPr/>
+              <p:nvPr/>
+            </p:nvCxnSpPr>
+            <p:spPr>
+              <a:xfrm flipH="1" flipV="1">
+                <a:off x="9104400" y="265273"/>
+                <a:ext cx="1263087" cy="3017521"/>
+              </a:xfrm>
+              <a:prstGeom prst="line">
+                <a:avLst/>
+              </a:prstGeom>
+              <a:ln w="25400">
+                <a:solidFill>
+                  <a:srgbClr val="FF0000"/>
+                </a:solidFill>
+              </a:ln>
+            </p:spPr>
+            <p:style>
+              <a:lnRef idx="1">
+                <a:schemeClr val="accent1"/>
+              </a:lnRef>
+              <a:fillRef idx="0">
+                <a:schemeClr val="accent1"/>
+              </a:fillRef>
+              <a:effectRef idx="0">
+                <a:schemeClr val="accent1"/>
+              </a:effectRef>
+              <a:fontRef idx="minor">
+                <a:schemeClr val="tx1"/>
+              </a:fontRef>
+            </p:style>
+          </p:cxnSp>
+          <p:sp>
+            <p:nvSpPr>
+              <p:cNvPr id="9" name="Oval 8">
+                <a:extLst>
+                  <a:ext uri="{FF2B5EF4-FFF2-40B4-BE49-F238E27FC236}">
+                    <a16:creationId xmlns:a16="http://schemas.microsoft.com/office/drawing/2014/main" id="{D292B681-FAEE-475A-BA0A-DBCA861E40D0}"/>
+                  </a:ext>
+                </a:extLst>
+              </p:cNvPr>
+              <p:cNvSpPr/>
+              <p:nvPr/>
+            </p:nvSpPr>
+            <p:spPr>
+              <a:xfrm>
+                <a:off x="9020470" y="200095"/>
+                <a:ext cx="182880" cy="182880"/>
+              </a:xfrm>
+              <a:prstGeom prst="ellipse">
+                <a:avLst/>
+              </a:prstGeom>
+              <a:solidFill>
+                <a:schemeClr val="tx1"/>
+              </a:solidFill>
+            </p:spPr>
+            <p:style>
+              <a:lnRef idx="2">
+                <a:schemeClr val="accent1">
+                  <a:shade val="50000"/>
+                </a:schemeClr>
+              </a:lnRef>
+              <a:fillRef idx="1">
+                <a:schemeClr val="accent1"/>
+              </a:fillRef>
+              <a:effectRef idx="0">
+                <a:schemeClr val="accent1"/>
+              </a:effectRef>
+              <a:fontRef idx="minor">
+                <a:schemeClr val="lt1"/>
+              </a:fontRef>
+            </p:style>
+            <p:txBody>
+              <a:bodyPr rtlCol="0" anchor="ctr"/>
+              <a:lstStyle/>
+              <a:p>
+                <a:pPr algn="ctr"/>
+                <a:endParaRPr lang="en-US"/>
+              </a:p>
+            </p:txBody>
+          </p:sp>
+          <p:sp>
+            <p:nvSpPr>
+              <p:cNvPr id="10" name="TextBox 9">
+                <a:extLst>
+                  <a:ext uri="{FF2B5EF4-FFF2-40B4-BE49-F238E27FC236}">
+                    <a16:creationId xmlns:a16="http://schemas.microsoft.com/office/drawing/2014/main" id="{5EC42504-CBE0-49C6-A03E-B9581CF6E8C8}"/>
+                  </a:ext>
+                </a:extLst>
+              </p:cNvPr>
+              <p:cNvSpPr txBox="1"/>
+              <p:nvPr/>
+            </p:nvSpPr>
+            <p:spPr>
+              <a:xfrm>
+                <a:off x="9000400" y="6409035"/>
+                <a:ext cx="1262910" cy="461665"/>
+              </a:xfrm>
+              <a:prstGeom prst="rect">
+                <a:avLst/>
+              </a:prstGeom>
+              <a:noFill/>
+            </p:spPr>
+            <p:txBody>
+              <a:bodyPr wrap="none" rtlCol="0">
+                <a:spAutoFit/>
+              </a:bodyPr>
+              <a:lstStyle/>
+              <a:p>
+                <a:r>
+                  <a:rPr lang="en-US" sz="2400" b="1"/>
+                  <a:t>Window</a:t>
+                </a:r>
+              </a:p>
+            </p:txBody>
+          </p:sp>
+          <p:sp>
+            <p:nvSpPr>
+              <p:cNvPr id="11" name="Rectangle 10">
+                <a:extLst>
+                  <a:ext uri="{FF2B5EF4-FFF2-40B4-BE49-F238E27FC236}">
+                    <a16:creationId xmlns:a16="http://schemas.microsoft.com/office/drawing/2014/main" id="{DD6ACA2A-B16B-4CA9-B946-08652664D37D}"/>
+                  </a:ext>
+                </a:extLst>
+              </p:cNvPr>
+              <p:cNvSpPr/>
+              <p:nvPr/>
+            </p:nvSpPr>
+            <p:spPr>
+              <a:xfrm>
+                <a:off x="9020469" y="6317013"/>
+                <a:ext cx="1347015" cy="113736"/>
+              </a:xfrm>
+              <a:prstGeom prst="rect">
+                <a:avLst/>
+              </a:prstGeom>
+            </p:spPr>
+            <p:style>
+              <a:lnRef idx="2">
+                <a:schemeClr val="accent1">
+                  <a:shade val="50000"/>
+                </a:schemeClr>
+              </a:lnRef>
+              <a:fillRef idx="1">
+                <a:schemeClr val="accent1"/>
+              </a:fillRef>
+              <a:effectRef idx="0">
+                <a:schemeClr val="accent1"/>
+              </a:effectRef>
+              <a:fontRef idx="minor">
+                <a:schemeClr val="lt1"/>
+              </a:fontRef>
+            </p:style>
+            <p:txBody>
+              <a:bodyPr rtlCol="0" anchor="ctr"/>
+              <a:lstStyle/>
+              <a:p>
+                <a:pPr algn="ctr"/>
+                <a:endParaRPr lang="en-US"/>
+              </a:p>
+            </p:txBody>
+          </p:sp>
+          <p:sp>
+            <p:nvSpPr>
+              <p:cNvPr id="12" name="TextBox 11">
+                <a:extLst>
+                  <a:ext uri="{FF2B5EF4-FFF2-40B4-BE49-F238E27FC236}">
+                    <a16:creationId xmlns:a16="http://schemas.microsoft.com/office/drawing/2014/main" id="{51F37B00-3BF3-4091-88DD-A08CBEB77401}"/>
+                  </a:ext>
+                </a:extLst>
+              </p:cNvPr>
+              <p:cNvSpPr txBox="1"/>
+              <p:nvPr/>
+            </p:nvSpPr>
+            <p:spPr>
+              <a:xfrm>
+                <a:off x="10190619" y="3923475"/>
+                <a:ext cx="476412" cy="461665"/>
+              </a:xfrm>
+              <a:prstGeom prst="rect">
+                <a:avLst/>
+              </a:prstGeom>
+              <a:noFill/>
+            </p:spPr>
+            <p:txBody>
+              <a:bodyPr wrap="none" rtlCol="0">
+                <a:spAutoFit/>
+              </a:bodyPr>
+              <a:lstStyle/>
+              <a:p>
+                <a:r>
+                  <a:rPr lang="en-US" sz="2400" b="1" u="sng">
+                    <a:solidFill>
+                      <a:srgbClr val="FF0000"/>
+                    </a:solidFill>
+                  </a:rPr>
+                  <a:t>z</a:t>
+                </a:r>
+                <a:r>
+                  <a:rPr lang="en-US" sz="2400" b="1" baseline="-25000">
+                    <a:solidFill>
+                      <a:srgbClr val="FF0000"/>
+                    </a:solidFill>
+                  </a:rPr>
+                  <a:t>IR</a:t>
+                </a:r>
+              </a:p>
+            </p:txBody>
+          </p:sp>
+          <p:sp>
+            <p:nvSpPr>
+              <p:cNvPr id="13" name="TextBox 12">
+                <a:extLst>
+                  <a:ext uri="{FF2B5EF4-FFF2-40B4-BE49-F238E27FC236}">
+                    <a16:creationId xmlns:a16="http://schemas.microsoft.com/office/drawing/2014/main" id="{C3CE4B4E-77A7-4E79-8687-0ED2C688DFF8}"/>
+                  </a:ext>
+                </a:extLst>
+              </p:cNvPr>
+              <p:cNvSpPr txBox="1"/>
+              <p:nvPr/>
+            </p:nvSpPr>
+            <p:spPr>
+              <a:xfrm>
+                <a:off x="9684409" y="1481348"/>
+                <a:ext cx="527709" cy="461665"/>
+              </a:xfrm>
+              <a:prstGeom prst="rect">
+                <a:avLst/>
+              </a:prstGeom>
+              <a:noFill/>
+            </p:spPr>
+            <p:txBody>
+              <a:bodyPr wrap="none" rtlCol="0">
+                <a:spAutoFit/>
+              </a:bodyPr>
+              <a:lstStyle/>
+              <a:p>
+                <a:r>
+                  <a:rPr lang="en-US" sz="2400" b="1">
+                    <a:solidFill>
+                      <a:srgbClr val="FF0000"/>
+                    </a:solidFill>
+                  </a:rPr>
+                  <a:t>R</a:t>
+                </a:r>
+                <a:r>
+                  <a:rPr lang="en-US" sz="2400" b="1" baseline="-25000">
+                    <a:solidFill>
+                      <a:srgbClr val="FF0000"/>
+                    </a:solidFill>
+                  </a:rPr>
+                  <a:t>IR</a:t>
+                </a:r>
+              </a:p>
+            </p:txBody>
+          </p:sp>
+          <p:sp>
+            <p:nvSpPr>
+              <p:cNvPr id="14" name="TextBox 13">
+                <a:extLst>
+                  <a:ext uri="{FF2B5EF4-FFF2-40B4-BE49-F238E27FC236}">
+                    <a16:creationId xmlns:a16="http://schemas.microsoft.com/office/drawing/2014/main" id="{991BF4B0-5189-44FC-B0BC-13EBACBCBFB4}"/>
+                  </a:ext>
+                </a:extLst>
+              </p:cNvPr>
+              <p:cNvSpPr txBox="1"/>
+              <p:nvPr/>
+            </p:nvSpPr>
+            <p:spPr>
+              <a:xfrm>
+                <a:off x="9104399" y="5848803"/>
+                <a:ext cx="625620" cy="461665"/>
+              </a:xfrm>
+              <a:prstGeom prst="rect">
+                <a:avLst/>
+              </a:prstGeom>
+              <a:noFill/>
+            </p:spPr>
+            <p:txBody>
+              <a:bodyPr wrap="none" rtlCol="0">
+                <a:spAutoFit/>
+              </a:bodyPr>
+              <a:lstStyle/>
+              <a:p>
+                <a:r>
+                  <a:rPr lang="en-US" sz="2400" b="1">
+                    <a:solidFill>
+                      <a:srgbClr val="FF0000"/>
+                    </a:solidFill>
+                  </a:rPr>
+                  <a:t>x</a:t>
+                </a:r>
+                <a:r>
+                  <a:rPr lang="en-US" sz="2400" b="1" baseline="-25000">
+                    <a:solidFill>
+                      <a:srgbClr val="FF0000"/>
+                    </a:solidFill>
+                  </a:rPr>
+                  <a:t>RW</a:t>
+                </a:r>
+              </a:p>
+            </p:txBody>
+          </p:sp>
+          <p:cxnSp>
+            <p:nvCxnSpPr>
+              <p:cNvPr id="15" name="Straight Connector 14">
+                <a:extLst>
+                  <a:ext uri="{FF2B5EF4-FFF2-40B4-BE49-F238E27FC236}">
+                    <a16:creationId xmlns:a16="http://schemas.microsoft.com/office/drawing/2014/main" id="{ED967AE8-DF18-4A23-B559-7475BC1C363E}"/>
+                  </a:ext>
+                </a:extLst>
+              </p:cNvPr>
+              <p:cNvCxnSpPr/>
+              <p:nvPr/>
+            </p:nvCxnSpPr>
+            <p:spPr>
+              <a:xfrm>
+                <a:off x="9104399" y="6422494"/>
+                <a:ext cx="566928" cy="0"/>
+              </a:xfrm>
+              <a:prstGeom prst="line">
+                <a:avLst/>
+              </a:prstGeom>
+              <a:ln w="25400">
+                <a:solidFill>
+                  <a:srgbClr val="FF0000"/>
+                </a:solidFill>
+              </a:ln>
+            </p:spPr>
+            <p:style>
+              <a:lnRef idx="1">
+                <a:schemeClr val="accent1"/>
+              </a:lnRef>
+              <a:fillRef idx="0">
+                <a:schemeClr val="accent1"/>
+              </a:fillRef>
+              <a:effectRef idx="0">
+                <a:schemeClr val="accent1"/>
+              </a:effectRef>
+              <a:fontRef idx="minor">
+                <a:schemeClr val="tx1"/>
+              </a:fontRef>
+            </p:style>
+          </p:cxnSp>
+          <p:sp>
+            <p:nvSpPr>
+              <p:cNvPr id="16" name="TextBox 15">
+                <a:extLst>
+                  <a:ext uri="{FF2B5EF4-FFF2-40B4-BE49-F238E27FC236}">
+                    <a16:creationId xmlns:a16="http://schemas.microsoft.com/office/drawing/2014/main" id="{1B49396D-82F1-4721-A987-FD04B3C37B05}"/>
+                  </a:ext>
+                </a:extLst>
+              </p:cNvPr>
+              <p:cNvSpPr txBox="1"/>
+              <p:nvPr/>
+            </p:nvSpPr>
+            <p:spPr>
+              <a:xfrm>
+                <a:off x="9163482" y="5023435"/>
+                <a:ext cx="639919" cy="461665"/>
+              </a:xfrm>
+              <a:prstGeom prst="rect">
+                <a:avLst/>
+              </a:prstGeom>
+              <a:noFill/>
+            </p:spPr>
+            <p:txBody>
+              <a:bodyPr wrap="none" rtlCol="0">
+                <a:spAutoFit/>
+              </a:bodyPr>
+              <a:lstStyle/>
+              <a:p>
+                <a:r>
+                  <a:rPr lang="el-GR" sz="2400" b="1" dirty="0">
+                    <a:solidFill>
+                      <a:srgbClr val="FF0000"/>
+                    </a:solidFill>
+                  </a:rPr>
+                  <a:t>φ</a:t>
+                </a:r>
+                <a:r>
+                  <a:rPr lang="en-US" sz="2400" b="1" baseline="-25000" dirty="0">
+                    <a:solidFill>
+                      <a:srgbClr val="FF0000"/>
+                    </a:solidFill>
+                  </a:rPr>
+                  <a:t>RA</a:t>
+                </a:r>
+              </a:p>
+            </p:txBody>
+          </p:sp>
+          <p:sp>
+            <p:nvSpPr>
+              <p:cNvPr id="17" name="TextBox 16">
+                <a:extLst>
+                  <a:ext uri="{FF2B5EF4-FFF2-40B4-BE49-F238E27FC236}">
+                    <a16:creationId xmlns:a16="http://schemas.microsoft.com/office/drawing/2014/main" id="{CD833705-B66F-4D4B-BF35-801DD84EAC38}"/>
+                  </a:ext>
+                </a:extLst>
+              </p:cNvPr>
+              <p:cNvSpPr txBox="1"/>
+              <p:nvPr/>
+            </p:nvSpPr>
+            <p:spPr>
+              <a:xfrm>
+                <a:off x="9432169" y="837591"/>
+                <a:ext cx="652743" cy="461665"/>
+              </a:xfrm>
+              <a:prstGeom prst="rect">
+                <a:avLst/>
+              </a:prstGeom>
+              <a:noFill/>
+            </p:spPr>
+            <p:txBody>
+              <a:bodyPr wrap="none" rtlCol="0">
+                <a:spAutoFit/>
+              </a:bodyPr>
+              <a:lstStyle/>
+              <a:p>
+                <a:r>
+                  <a:rPr lang="el-GR" sz="2400" b="1">
+                    <a:solidFill>
+                      <a:srgbClr val="FF0000"/>
+                    </a:solidFill>
+                  </a:rPr>
+                  <a:t>ψ</a:t>
+                </a:r>
+                <a:r>
+                  <a:rPr lang="en-US" sz="2400" b="1" baseline="-25000">
+                    <a:solidFill>
+                      <a:srgbClr val="FF0000"/>
+                    </a:solidFill>
+                  </a:rPr>
+                  <a:t>RA</a:t>
+                </a:r>
+              </a:p>
+            </p:txBody>
+          </p:sp>
+          <p:cxnSp>
+            <p:nvCxnSpPr>
+              <p:cNvPr id="18" name="Straight Connector 17">
+                <a:extLst>
+                  <a:ext uri="{FF2B5EF4-FFF2-40B4-BE49-F238E27FC236}">
+                    <a16:creationId xmlns:a16="http://schemas.microsoft.com/office/drawing/2014/main" id="{6CB50E46-D4A4-420E-825D-B8AF818258C4}"/>
+                  </a:ext>
+                </a:extLst>
+              </p:cNvPr>
+              <p:cNvCxnSpPr>
+                <a:cxnSpLocks/>
+              </p:cNvCxnSpPr>
+              <p:nvPr/>
+            </p:nvCxnSpPr>
+            <p:spPr>
+              <a:xfrm flipH="1" flipV="1">
+                <a:off x="9124645" y="284193"/>
+                <a:ext cx="538384" cy="6153759"/>
+              </a:xfrm>
+              <a:prstGeom prst="line">
+                <a:avLst/>
+              </a:prstGeom>
+              <a:ln w="25400">
+                <a:solidFill>
+                  <a:srgbClr val="FF0000"/>
+                </a:solidFill>
+                <a:prstDash val="sysDot"/>
+              </a:ln>
+            </p:spPr>
+            <p:style>
+              <a:lnRef idx="1">
+                <a:schemeClr val="accent1"/>
+              </a:lnRef>
+              <a:fillRef idx="0">
+                <a:schemeClr val="accent1"/>
+              </a:fillRef>
+              <a:effectRef idx="0">
+                <a:schemeClr val="accent1"/>
+              </a:effectRef>
+              <a:fontRef idx="minor">
+                <a:schemeClr val="tx1"/>
+              </a:fontRef>
+            </p:style>
+          </p:cxnSp>
+          <p:sp>
+            <p:nvSpPr>
+              <p:cNvPr id="19" name="TextBox 18">
+                <a:extLst>
+                  <a:ext uri="{FF2B5EF4-FFF2-40B4-BE49-F238E27FC236}">
+                    <a16:creationId xmlns:a16="http://schemas.microsoft.com/office/drawing/2014/main" id="{7202D589-4B50-4F21-B874-6299636C9082}"/>
+                  </a:ext>
+                </a:extLst>
+              </p:cNvPr>
+              <p:cNvSpPr txBox="1"/>
+              <p:nvPr/>
+            </p:nvSpPr>
+            <p:spPr>
+              <a:xfrm>
+                <a:off x="9219258" y="1714273"/>
+                <a:ext cx="526106" cy="461665"/>
+              </a:xfrm>
+              <a:prstGeom prst="rect">
+                <a:avLst/>
+              </a:prstGeom>
+              <a:noFill/>
+            </p:spPr>
+            <p:txBody>
+              <a:bodyPr wrap="none" rtlCol="0">
+                <a:spAutoFit/>
+              </a:bodyPr>
+              <a:lstStyle/>
+              <a:p>
+                <a:r>
+                  <a:rPr lang="el-GR" sz="2400" b="1">
+                    <a:solidFill>
+                      <a:srgbClr val="FF0000"/>
+                    </a:solidFill>
+                  </a:rPr>
+                  <a:t>ψ</a:t>
+                </a:r>
+                <a:r>
+                  <a:rPr lang="en-US" sz="2400" b="1" baseline="-25000">
+                    <a:solidFill>
+                      <a:srgbClr val="FF0000"/>
+                    </a:solidFill>
+                  </a:rPr>
+                  <a:t>X</a:t>
+                </a:r>
+              </a:p>
+            </p:txBody>
+          </p:sp>
+          <p:sp>
+            <p:nvSpPr>
+              <p:cNvPr id="20" name="TextBox 19">
+                <a:extLst>
+                  <a:ext uri="{FF2B5EF4-FFF2-40B4-BE49-F238E27FC236}">
+                    <a16:creationId xmlns:a16="http://schemas.microsoft.com/office/drawing/2014/main" id="{B2F755D8-2CD5-4145-A394-0E4F5163CF4E}"/>
+                  </a:ext>
+                </a:extLst>
+              </p:cNvPr>
+              <p:cNvSpPr txBox="1"/>
+              <p:nvPr/>
+            </p:nvSpPr>
+            <p:spPr>
+              <a:xfrm>
+                <a:off x="9401178" y="3671911"/>
+                <a:ext cx="657681" cy="461665"/>
+              </a:xfrm>
+              <a:prstGeom prst="rect">
+                <a:avLst/>
+              </a:prstGeom>
+              <a:noFill/>
+            </p:spPr>
+            <p:txBody>
+              <a:bodyPr wrap="none" rtlCol="0">
+                <a:spAutoFit/>
+              </a:bodyPr>
+              <a:lstStyle/>
+              <a:p>
+                <a:r>
+                  <a:rPr lang="en-US" sz="2400" b="1" u="sng">
+                    <a:solidFill>
+                      <a:srgbClr val="FF0000"/>
+                    </a:solidFill>
+                  </a:rPr>
+                  <a:t>R</a:t>
+                </a:r>
+                <a:r>
+                  <a:rPr lang="en-US" sz="2400" b="1" baseline="-25000">
+                    <a:solidFill>
+                      <a:srgbClr val="FF0000"/>
+                    </a:solidFill>
+                  </a:rPr>
+                  <a:t>RW</a:t>
+                </a:r>
+              </a:p>
+            </p:txBody>
+          </p:sp>
+          <p:sp>
+            <p:nvSpPr>
+              <p:cNvPr id="21" name="Arc 20">
+                <a:extLst>
+                  <a:ext uri="{FF2B5EF4-FFF2-40B4-BE49-F238E27FC236}">
+                    <a16:creationId xmlns:a16="http://schemas.microsoft.com/office/drawing/2014/main" id="{BAB6A5EE-E70C-4849-95DE-5DE5CA1D662B}"/>
+                  </a:ext>
+                </a:extLst>
+              </p:cNvPr>
+              <p:cNvSpPr/>
+              <p:nvPr/>
+            </p:nvSpPr>
+            <p:spPr>
+              <a:xfrm>
+                <a:off x="8740656" y="4952727"/>
+                <a:ext cx="2035770" cy="1331363"/>
+              </a:xfrm>
+              <a:prstGeom prst="arc">
+                <a:avLst>
+                  <a:gd name="adj1" fmla="val 15154564"/>
+                  <a:gd name="adj2" fmla="val 17240779"/>
+                </a:avLst>
+              </a:prstGeom>
+              <a:ln w="25400">
+                <a:solidFill>
+                  <a:srgbClr val="FF0000"/>
+                </a:solidFill>
+                <a:tailEnd type="triangle" w="lg" len="lg"/>
+              </a:ln>
+            </p:spPr>
+            <p:style>
+              <a:lnRef idx="1">
+                <a:schemeClr val="accent1"/>
+              </a:lnRef>
+              <a:fillRef idx="0">
+                <a:schemeClr val="accent1"/>
+              </a:fillRef>
+              <a:effectRef idx="0">
+                <a:schemeClr val="accent1"/>
+              </a:effectRef>
+              <a:fontRef idx="minor">
+                <a:schemeClr val="tx1"/>
+              </a:fontRef>
+            </p:style>
+            <p:txBody>
+              <a:bodyPr rtlCol="0" anchor="ctr"/>
+              <a:lstStyle/>
+              <a:p>
+                <a:pPr algn="ctr"/>
+                <a:endParaRPr lang="en-US"/>
+              </a:p>
+            </p:txBody>
+          </p:sp>
+          <p:sp>
+            <p:nvSpPr>
+              <p:cNvPr id="22" name="TextBox 21">
+                <a:extLst>
+                  <a:ext uri="{FF2B5EF4-FFF2-40B4-BE49-F238E27FC236}">
+                    <a16:creationId xmlns:a16="http://schemas.microsoft.com/office/drawing/2014/main" id="{242CE320-AFB4-41F2-AE13-E9D48E9FBFA4}"/>
+                  </a:ext>
+                </a:extLst>
+              </p:cNvPr>
+              <p:cNvSpPr txBox="1"/>
+              <p:nvPr/>
+            </p:nvSpPr>
+            <p:spPr>
+              <a:xfrm>
+                <a:off x="9943350" y="4730377"/>
+                <a:ext cx="639919" cy="461665"/>
+              </a:xfrm>
+              <a:prstGeom prst="rect">
+                <a:avLst/>
+              </a:prstGeom>
+              <a:noFill/>
+            </p:spPr>
+            <p:txBody>
+              <a:bodyPr wrap="none" rtlCol="0">
+                <a:spAutoFit/>
+              </a:bodyPr>
+              <a:lstStyle/>
+              <a:p>
+                <a:r>
+                  <a:rPr lang="el-GR" sz="2400" b="1" u="sng" dirty="0">
+                    <a:solidFill>
+                      <a:srgbClr val="FF0000"/>
+                    </a:solidFill>
+                  </a:rPr>
+                  <a:t>φ</a:t>
+                </a:r>
+                <a:r>
+                  <a:rPr lang="en-US" sz="2400" b="1" baseline="-25000" dirty="0">
+                    <a:solidFill>
+                      <a:srgbClr val="FF0000"/>
+                    </a:solidFill>
+                  </a:rPr>
+                  <a:t>RA</a:t>
+                </a:r>
+              </a:p>
+            </p:txBody>
+          </p:sp>
+          <p:sp>
+            <p:nvSpPr>
+              <p:cNvPr id="23" name="TextBox 22">
+                <a:extLst>
+                  <a:ext uri="{FF2B5EF4-FFF2-40B4-BE49-F238E27FC236}">
+                    <a16:creationId xmlns:a16="http://schemas.microsoft.com/office/drawing/2014/main" id="{464B28DE-4C44-492A-AFE4-13BA9510F896}"/>
+                  </a:ext>
+                </a:extLst>
+              </p:cNvPr>
+              <p:cNvSpPr txBox="1"/>
+              <p:nvPr/>
+            </p:nvSpPr>
+            <p:spPr>
+              <a:xfrm>
+                <a:off x="10031184" y="1972147"/>
+                <a:ext cx="527709" cy="461665"/>
+              </a:xfrm>
+              <a:prstGeom prst="rect">
+                <a:avLst/>
+              </a:prstGeom>
+              <a:noFill/>
+            </p:spPr>
+            <p:txBody>
+              <a:bodyPr wrap="none" rtlCol="0">
+                <a:spAutoFit/>
+              </a:bodyPr>
+              <a:lstStyle/>
+              <a:p>
+                <a:r>
+                  <a:rPr lang="el-GR" sz="2400" b="1">
+                    <a:solidFill>
+                      <a:srgbClr val="FF0000"/>
+                    </a:solidFill>
+                  </a:rPr>
+                  <a:t>ψ</a:t>
+                </a:r>
+                <a:r>
+                  <a:rPr lang="en-US" sz="2400" b="1" baseline="-25000">
+                    <a:solidFill>
+                      <a:srgbClr val="FF0000"/>
+                    </a:solidFill>
+                  </a:rPr>
+                  <a:t>R</a:t>
+                </a:r>
+              </a:p>
+            </p:txBody>
+          </p:sp>
+          <p:sp>
+            <p:nvSpPr>
+              <p:cNvPr id="24" name="Arc 23">
+                <a:extLst>
+                  <a:ext uri="{FF2B5EF4-FFF2-40B4-BE49-F238E27FC236}">
+                    <a16:creationId xmlns:a16="http://schemas.microsoft.com/office/drawing/2014/main" id="{EE1C86ED-AC34-4273-B9BE-2EA045FB1D5D}"/>
+                  </a:ext>
+                </a:extLst>
+              </p:cNvPr>
+              <p:cNvSpPr/>
+              <p:nvPr/>
+            </p:nvSpPr>
+            <p:spPr>
+              <a:xfrm>
+                <a:off x="9690625" y="2504520"/>
+                <a:ext cx="1345201" cy="761856"/>
+              </a:xfrm>
+              <a:prstGeom prst="arc">
+                <a:avLst>
+                  <a:gd name="adj1" fmla="val 13563517"/>
+                  <a:gd name="adj2" fmla="val 17774983"/>
+                </a:avLst>
+              </a:prstGeom>
+              <a:ln w="25400">
+                <a:solidFill>
+                  <a:srgbClr val="FF0000"/>
+                </a:solidFill>
+                <a:tailEnd type="triangle" w="lg" len="lg"/>
+              </a:ln>
+            </p:spPr>
+            <p:style>
+              <a:lnRef idx="1">
+                <a:schemeClr val="accent1"/>
+              </a:lnRef>
+              <a:fillRef idx="0">
+                <a:schemeClr val="accent1"/>
+              </a:fillRef>
+              <a:effectRef idx="0">
+                <a:schemeClr val="accent1"/>
+              </a:effectRef>
+              <a:fontRef idx="minor">
+                <a:schemeClr val="tx1"/>
+              </a:fontRef>
+            </p:style>
+            <p:txBody>
+              <a:bodyPr rtlCol="0" anchor="ctr"/>
+              <a:lstStyle/>
+              <a:p>
+                <a:pPr algn="ctr"/>
+                <a:endParaRPr lang="en-US"/>
+              </a:p>
+            </p:txBody>
+          </p:sp>
+          <p:cxnSp>
+            <p:nvCxnSpPr>
+              <p:cNvPr id="25" name="Straight Connector 24">
+                <a:extLst>
+                  <a:ext uri="{FF2B5EF4-FFF2-40B4-BE49-F238E27FC236}">
+                    <a16:creationId xmlns:a16="http://schemas.microsoft.com/office/drawing/2014/main" id="{275DE68D-89C9-4478-BAA4-83CEE6EEAF64}"/>
+                  </a:ext>
+                </a:extLst>
+              </p:cNvPr>
+              <p:cNvCxnSpPr>
+                <a:cxnSpLocks/>
+              </p:cNvCxnSpPr>
+              <p:nvPr/>
+            </p:nvCxnSpPr>
+            <p:spPr>
+              <a:xfrm flipV="1">
+                <a:off x="9112578" y="276424"/>
+                <a:ext cx="0" cy="6154325"/>
+              </a:xfrm>
+              <a:prstGeom prst="line">
+                <a:avLst/>
+              </a:prstGeom>
+              <a:ln w="25400">
+                <a:solidFill>
+                  <a:srgbClr val="FF0000"/>
+                </a:solidFill>
+              </a:ln>
+            </p:spPr>
+            <p:style>
+              <a:lnRef idx="1">
+                <a:schemeClr val="accent1"/>
+              </a:lnRef>
+              <a:fillRef idx="0">
+                <a:schemeClr val="accent1"/>
+              </a:fillRef>
+              <a:effectRef idx="0">
+                <a:schemeClr val="accent1"/>
+              </a:effectRef>
+              <a:fontRef idx="minor">
+                <a:schemeClr val="tx1"/>
+              </a:fontRef>
+            </p:style>
+          </p:cxnSp>
+          <p:cxnSp>
+            <p:nvCxnSpPr>
+              <p:cNvPr id="26" name="Straight Connector 25">
+                <a:extLst>
+                  <a:ext uri="{FF2B5EF4-FFF2-40B4-BE49-F238E27FC236}">
+                    <a16:creationId xmlns:a16="http://schemas.microsoft.com/office/drawing/2014/main" id="{E3087C7F-09AC-41A8-9AFC-4B4066C0E1D4}"/>
+                  </a:ext>
+                </a:extLst>
+              </p:cNvPr>
+              <p:cNvCxnSpPr>
+                <a:cxnSpLocks/>
+                <a:stCxn id="11" idx="2"/>
+              </p:cNvCxnSpPr>
+              <p:nvPr/>
+            </p:nvCxnSpPr>
+            <p:spPr>
+              <a:xfrm flipV="1">
+                <a:off x="9693977" y="2279806"/>
+                <a:ext cx="909960" cy="4150943"/>
+              </a:xfrm>
+              <a:prstGeom prst="line">
+                <a:avLst/>
+              </a:prstGeom>
+              <a:ln w="25400">
+                <a:solidFill>
+                  <a:srgbClr val="FF0000"/>
+                </a:solidFill>
+              </a:ln>
+            </p:spPr>
+            <p:style>
+              <a:lnRef idx="1">
+                <a:schemeClr val="accent1"/>
+              </a:lnRef>
+              <a:fillRef idx="0">
+                <a:schemeClr val="accent1"/>
+              </a:fillRef>
+              <a:effectRef idx="0">
+                <a:schemeClr val="accent1"/>
+              </a:effectRef>
+              <a:fontRef idx="minor">
+                <a:schemeClr val="tx1"/>
+              </a:fontRef>
+            </p:style>
+          </p:cxnSp>
+          <p:sp>
+            <p:nvSpPr>
+              <p:cNvPr id="27" name="Arc 26">
+                <a:extLst>
+                  <a:ext uri="{FF2B5EF4-FFF2-40B4-BE49-F238E27FC236}">
+                    <a16:creationId xmlns:a16="http://schemas.microsoft.com/office/drawing/2014/main" id="{80C91CBA-277B-460A-B7B6-F994B44B3046}"/>
+                  </a:ext>
+                </a:extLst>
+              </p:cNvPr>
+              <p:cNvSpPr/>
+              <p:nvPr/>
+            </p:nvSpPr>
+            <p:spPr>
+              <a:xfrm>
+                <a:off x="8759568" y="5503223"/>
+                <a:ext cx="1345201" cy="761856"/>
+              </a:xfrm>
+              <a:prstGeom prst="arc">
+                <a:avLst>
+                  <a:gd name="adj1" fmla="val 13563517"/>
+                  <a:gd name="adj2" fmla="val 19879267"/>
+                </a:avLst>
+              </a:prstGeom>
+              <a:ln w="25400">
+                <a:solidFill>
+                  <a:srgbClr val="FF0000"/>
+                </a:solidFill>
+                <a:tailEnd type="triangle" w="lg" len="lg"/>
+              </a:ln>
+            </p:spPr>
+            <p:style>
+              <a:lnRef idx="1">
+                <a:schemeClr val="accent1"/>
+              </a:lnRef>
+              <a:fillRef idx="0">
+                <a:schemeClr val="accent1"/>
+              </a:fillRef>
+              <a:effectRef idx="0">
+                <a:schemeClr val="accent1"/>
+              </a:effectRef>
+              <a:fontRef idx="minor">
+                <a:schemeClr val="tx1"/>
+              </a:fontRef>
+            </p:style>
+            <p:txBody>
+              <a:bodyPr rtlCol="0" anchor="ctr"/>
+              <a:lstStyle/>
+              <a:p>
+                <a:pPr algn="ctr"/>
+                <a:endParaRPr lang="en-US"/>
+              </a:p>
+            </p:txBody>
+          </p:sp>
+        </p:grpSp>
+        <p:sp>
+          <p:nvSpPr>
+            <p:cNvPr id="28" name="TextBox 27">
+              <a:extLst>
+                <a:ext uri="{FF2B5EF4-FFF2-40B4-BE49-F238E27FC236}">
+                  <a16:creationId xmlns:a16="http://schemas.microsoft.com/office/drawing/2014/main" id="{6BD1F123-BF5F-4CC2-A50B-AA593655AEE0}"/>
+                </a:ext>
+              </a:extLst>
+            </p:cNvPr>
+            <p:cNvSpPr txBox="1"/>
+            <p:nvPr/>
+          </p:nvSpPr>
+          <p:spPr>
+            <a:xfrm>
+              <a:off x="4010281" y="2593779"/>
+              <a:ext cx="657681" cy="461665"/>
+            </a:xfrm>
+            <a:prstGeom prst="rect">
+              <a:avLst/>
+            </a:prstGeom>
+            <a:noFill/>
+          </p:spPr>
+          <p:txBody>
+            <a:bodyPr wrap="none" rtlCol="0">
+              <a:spAutoFit/>
+            </a:bodyPr>
+            <a:lstStyle/>
+            <a:p>
+              <a:r>
+                <a:rPr lang="en-US" sz="2400" b="1" dirty="0">
+                  <a:solidFill>
+                    <a:srgbClr val="FF0000"/>
+                  </a:solidFill>
+                </a:rPr>
+                <a:t>R</a:t>
+              </a:r>
+              <a:r>
+                <a:rPr lang="en-US" sz="2400" b="1" baseline="-25000" dirty="0">
+                  <a:solidFill>
+                    <a:srgbClr val="FF0000"/>
+                  </a:solidFill>
+                </a:rPr>
+                <a:t>RW</a:t>
+              </a:r>
+            </a:p>
+          </p:txBody>
+        </p:sp>
+        <p:sp>
+          <p:nvSpPr>
+            <p:cNvPr id="29" name="Arc 28">
+              <a:extLst>
+                <a:ext uri="{FF2B5EF4-FFF2-40B4-BE49-F238E27FC236}">
+                  <a16:creationId xmlns:a16="http://schemas.microsoft.com/office/drawing/2014/main" id="{CF6E3496-AF14-4C25-9F4D-99465A20A1F0}"/>
+                </a:ext>
+              </a:extLst>
+            </p:cNvPr>
+            <p:cNvSpPr/>
+            <p:nvPr/>
+          </p:nvSpPr>
+          <p:spPr>
+            <a:xfrm flipV="1">
+              <a:off x="3854063" y="456988"/>
+              <a:ext cx="1739744" cy="975903"/>
+            </a:xfrm>
+            <a:prstGeom prst="arc">
+              <a:avLst>
+                <a:gd name="adj1" fmla="val 16028661"/>
+                <a:gd name="adj2" fmla="val 18487152"/>
+              </a:avLst>
+            </a:prstGeom>
+            <a:ln w="25400">
+              <a:solidFill>
+                <a:srgbClr val="FF0000"/>
+              </a:solidFill>
+              <a:tailEnd type="triangle" w="lg" len="lg"/>
+            </a:ln>
+          </p:spPr>
+          <p:style>
+            <a:lnRef idx="1">
+              <a:schemeClr val="accent1"/>
+            </a:lnRef>
+            <a:fillRef idx="0">
+              <a:schemeClr val="accent1"/>
+            </a:fillRef>
+            <a:effectRef idx="0">
+              <a:schemeClr val="accent1"/>
+            </a:effectRef>
+            <a:fontRef idx="minor">
+              <a:schemeClr val="tx1"/>
+            </a:fontRef>
+          </p:style>
+          <p:txBody>
+            <a:bodyPr rtlCol="0" anchor="ctr"/>
+            <a:lstStyle/>
+            <a:p>
+              <a:pPr algn="ctr"/>
+              <a:endParaRPr lang="en-US"/>
+            </a:p>
+          </p:txBody>
+        </p:sp>
+        <p:sp>
+          <p:nvSpPr>
+            <p:cNvPr id="30" name="Arc 29">
+              <a:extLst>
+                <a:ext uri="{FF2B5EF4-FFF2-40B4-BE49-F238E27FC236}">
+                  <a16:creationId xmlns:a16="http://schemas.microsoft.com/office/drawing/2014/main" id="{D5040DDC-2D62-40BA-9F60-367BEB4CE51E}"/>
+                </a:ext>
+              </a:extLst>
+            </p:cNvPr>
+            <p:cNvSpPr/>
+            <p:nvPr/>
+          </p:nvSpPr>
+          <p:spPr>
+            <a:xfrm flipV="1">
+              <a:off x="3811291" y="1024424"/>
+              <a:ext cx="1739744" cy="975903"/>
+            </a:xfrm>
+            <a:prstGeom prst="arc">
+              <a:avLst>
+                <a:gd name="adj1" fmla="val 16028661"/>
+                <a:gd name="adj2" fmla="val 17510083"/>
+              </a:avLst>
+            </a:prstGeom>
+            <a:ln w="25400">
+              <a:solidFill>
+                <a:srgbClr val="FF0000"/>
+              </a:solidFill>
+              <a:tailEnd type="triangle" w="lg" len="lg"/>
+            </a:ln>
+          </p:spPr>
+          <p:style>
+            <a:lnRef idx="1">
+              <a:schemeClr val="accent1"/>
+            </a:lnRef>
+            <a:fillRef idx="0">
+              <a:schemeClr val="accent1"/>
+            </a:fillRef>
+            <a:effectRef idx="0">
+              <a:schemeClr val="accent1"/>
+            </a:effectRef>
+            <a:fontRef idx="minor">
+              <a:schemeClr val="tx1"/>
+            </a:fontRef>
+          </p:style>
+          <p:txBody>
+            <a:bodyPr rtlCol="0" anchor="ctr"/>
+            <a:lstStyle/>
+            <a:p>
+              <a:pPr algn="ctr"/>
+              <a:endParaRPr lang="en-US"/>
+            </a:p>
+          </p:txBody>
+        </p:sp>
+      </p:grpSp>
+      <p:sp>
+        <p:nvSpPr>
+          <p:cNvPr id="32" name="Arrow: Right 31">
+            <a:extLst>
+              <a:ext uri="{FF2B5EF4-FFF2-40B4-BE49-F238E27FC236}">
+                <a16:creationId xmlns:a16="http://schemas.microsoft.com/office/drawing/2014/main" id="{BFC6B496-1E28-4D12-81B0-4A648410DF1F}"/>
+              </a:ext>
+            </a:extLst>
+          </p:cNvPr>
+          <p:cNvSpPr/>
+          <p:nvPr/>
+        </p:nvSpPr>
+        <p:spPr>
+          <a:xfrm>
+            <a:off x="6224272" y="2793922"/>
+            <a:ext cx="452582" cy="267595"/>
+          </a:xfrm>
+          <a:prstGeom prst="rightArrow">
+            <a:avLst/>
+          </a:prstGeom>
+        </p:spPr>
+        <p:style>
+          <a:lnRef idx="2">
+            <a:schemeClr val="accent1">
+              <a:shade val="50000"/>
+            </a:schemeClr>
+          </a:lnRef>
+          <a:fillRef idx="1">
+            <a:schemeClr val="accent1"/>
+          </a:fillRef>
+          <a:effectRef idx="0">
+            <a:schemeClr val="accent1"/>
+          </a:effectRef>
+          <a:fontRef idx="minor">
+            <a:schemeClr val="lt1"/>
+          </a:fontRef>
+        </p:style>
+        <p:txBody>
+          <a:bodyPr rtlCol="0" anchor="ctr"/>
+          <a:lstStyle/>
+          <a:p>
+            <a:pPr algn="ctr"/>
+            <a:endParaRPr lang="en-US"/>
+          </a:p>
+        </p:txBody>
+      </p:sp>
+      <mc:AlternateContent xmlns:mc="http://schemas.openxmlformats.org/markup-compatibility/2006">
+        <mc:Choice xmlns:a14="http://schemas.microsoft.com/office/drawing/2010/main" Requires="a14">
+          <p:sp>
+            <p:nvSpPr>
+              <p:cNvPr id="33" name="TextBox 32">
+                <a:extLst>
+                  <a:ext uri="{FF2B5EF4-FFF2-40B4-BE49-F238E27FC236}">
+                    <a16:creationId xmlns:a16="http://schemas.microsoft.com/office/drawing/2014/main" id="{FEDE0D0F-16CB-47E9-9F7B-E0856DED3601}"/>
+                  </a:ext>
+                </a:extLst>
+              </p:cNvPr>
+              <p:cNvSpPr txBox="1"/>
+              <p:nvPr/>
+            </p:nvSpPr>
+            <p:spPr>
+              <a:xfrm>
+                <a:off x="7292978" y="1109968"/>
+                <a:ext cx="4335631" cy="4657109"/>
+              </a:xfrm>
+              <a:prstGeom prst="rect">
+                <a:avLst/>
+              </a:prstGeom>
+              <a:noFill/>
+            </p:spPr>
+            <p:txBody>
+              <a:bodyPr wrap="square" rtlCol="0">
+                <a:spAutoFit/>
+              </a:bodyPr>
+              <a:lstStyle/>
+              <a:p>
+                <a:pPr>
+                  <a:lnSpc>
+                    <a:spcPct val="90000"/>
+                  </a:lnSpc>
+                  <a:spcBef>
+                    <a:spcPts val="1200"/>
+                  </a:spcBef>
+                </a:pPr>
+                <a14:m>
+                  <m:oMath xmlns:m="http://schemas.openxmlformats.org/officeDocument/2006/math">
+                    <m:r>
+                      <m:rPr>
+                        <m:nor/>
+                      </m:rPr>
+                      <a:rPr lang="en-US" altLang="zh-CN" dirty="0" smtClean="0"/>
+                      <m:t>Φ</m:t>
+                    </m:r>
+                    <m:r>
+                      <m:rPr>
+                        <m:nor/>
+                      </m:rPr>
+                      <a:rPr lang="en-US" altLang="zh-CN" baseline="-25000" dirty="0" smtClean="0"/>
+                      <m:t>RA</m:t>
+                    </m:r>
+                  </m:oMath>
+                </a14:m>
+                <a:r>
+                  <a:rPr lang="en-US" sz="2000" dirty="0"/>
+                  <a:t>=</a:t>
+                </a:r>
+                <a14:m>
+                  <m:oMath xmlns:m="http://schemas.openxmlformats.org/officeDocument/2006/math">
+                    <m:sSub>
+                      <m:sSubPr>
+                        <m:ctrlPr>
+                          <a:rPr lang="en-US" sz="2000" b="0" i="1" dirty="0" smtClean="0">
+                            <a:latin typeface="Cambria Math" panose="02040503050406030204" pitchFamily="18" charset="0"/>
+                          </a:rPr>
+                        </m:ctrlPr>
+                      </m:sSubPr>
+                      <m:e>
+                        <m:sSub>
+                          <m:sSubPr>
+                            <m:ctrlPr>
+                              <a:rPr lang="en-US" sz="2000" b="0" i="1" dirty="0" smtClean="0">
+                                <a:latin typeface="Cambria Math" panose="02040503050406030204" pitchFamily="18" charset="0"/>
+                              </a:rPr>
+                            </m:ctrlPr>
+                          </m:sSubPr>
+                          <m:e>
+                            <m:r>
+                              <a:rPr lang="en-US" sz="2000" b="0" i="1" dirty="0" smtClean="0">
+                                <a:latin typeface="Cambria Math" panose="02040503050406030204" pitchFamily="18" charset="0"/>
+                              </a:rPr>
+                              <m:t>𝜓</m:t>
+                            </m:r>
+                          </m:e>
+                          <m:sub>
+                            <m:r>
+                              <a:rPr lang="en-US" sz="2000" b="0" i="1" dirty="0" smtClean="0">
+                                <a:latin typeface="Cambria Math" panose="02040503050406030204" pitchFamily="18" charset="0"/>
+                              </a:rPr>
+                              <m:t>𝑅</m:t>
+                            </m:r>
+                          </m:sub>
+                        </m:sSub>
+                        <m:r>
+                          <a:rPr lang="en-US" sz="2000" b="0" i="1" dirty="0" smtClean="0">
+                            <a:latin typeface="Cambria Math" panose="02040503050406030204" pitchFamily="18" charset="0"/>
+                          </a:rPr>
+                          <m:t>−</m:t>
+                        </m:r>
+                        <m:r>
+                          <a:rPr lang="en-US" sz="2000" b="0" i="1" dirty="0" smtClean="0">
+                            <a:latin typeface="Cambria Math" panose="02040503050406030204" pitchFamily="18" charset="0"/>
+                          </a:rPr>
+                          <m:t>𝜓</m:t>
+                        </m:r>
+                      </m:e>
+                      <m:sub>
+                        <m:r>
+                          <a:rPr lang="en-US" sz="2000" b="0" i="1" dirty="0" smtClean="0">
+                            <a:latin typeface="Cambria Math" panose="02040503050406030204" pitchFamily="18" charset="0"/>
+                          </a:rPr>
+                          <m:t>𝑅𝐴</m:t>
+                        </m:r>
+                      </m:sub>
+                    </m:sSub>
+                  </m:oMath>
+                </a14:m>
+                <a:endParaRPr lang="en-US" sz="2000" baseline="-25000" dirty="0"/>
+              </a:p>
+              <a:p>
+                <a:pPr>
+                  <a:lnSpc>
+                    <a:spcPct val="90000"/>
+                  </a:lnSpc>
+                  <a:spcBef>
+                    <a:spcPts val="1200"/>
+                  </a:spcBef>
+                </a:pPr>
+                <a:r>
+                  <a:rPr lang="en-US" sz="2000" dirty="0" err="1"/>
+                  <a:t>x</a:t>
+                </a:r>
+                <a:r>
+                  <a:rPr lang="en-US" sz="2000" baseline="-25000" dirty="0" err="1"/>
+                  <a:t>RW</a:t>
+                </a:r>
+                <a:r>
+                  <a:rPr lang="en-US" sz="2000" dirty="0"/>
+                  <a:t>= </a:t>
+                </a:r>
+                <a:r>
+                  <a:rPr lang="en-US" sz="2000" dirty="0" err="1"/>
+                  <a:t>L</a:t>
+                </a:r>
+                <a:r>
+                  <a:rPr lang="en-US" sz="2000" baseline="-25000" dirty="0" err="1"/>
+                  <a:t>off</a:t>
+                </a:r>
+                <a:r>
+                  <a:rPr lang="en-US" sz="2000" baseline="-25000" dirty="0"/>
+                  <a:t>-axis</a:t>
+                </a:r>
+                <a:r>
+                  <a:rPr lang="en-US" sz="2000" dirty="0"/>
+                  <a:t>+(x-y</a:t>
+                </a:r>
+                <a:r>
+                  <a:rPr lang="en-US" altLang="zh-CN" sz="2000" dirty="0"/>
+                  <a:t>·tan(Φ</a:t>
+                </a:r>
+                <a:r>
+                  <a:rPr lang="en-US" altLang="zh-CN" sz="2000" baseline="-25000" dirty="0"/>
+                  <a:t>RA</a:t>
+                </a:r>
+                <a:r>
+                  <a:rPr lang="en-US" altLang="zh-CN" sz="2000" dirty="0"/>
+                  <a:t>))</a:t>
+                </a:r>
+                <a:br>
+                  <a:rPr lang="en-US" sz="2000" dirty="0"/>
+                </a:br>
+                <a:r>
+                  <a:rPr lang="el-GR" sz="2000" dirty="0"/>
+                  <a:t>ψ</a:t>
+                </a:r>
+                <a:r>
+                  <a:rPr lang="en-US" sz="2000" baseline="-25000" dirty="0"/>
+                  <a:t>X</a:t>
+                </a:r>
+                <a:r>
+                  <a:rPr lang="en-US" sz="2000" dirty="0"/>
+                  <a:t> = tan</a:t>
+                </a:r>
+                <a:r>
+                  <a:rPr lang="en-US" sz="2000" baseline="30000" dirty="0"/>
+                  <a:t>‒1</a:t>
+                </a:r>
+                <a:r>
+                  <a:rPr lang="en-US" sz="2000" dirty="0"/>
+                  <a:t>(</a:t>
+                </a:r>
+                <a:r>
+                  <a:rPr lang="en-US" sz="2000" dirty="0" err="1"/>
+                  <a:t>x</a:t>
+                </a:r>
+                <a:r>
+                  <a:rPr lang="en-US" sz="2000" baseline="-25000" dirty="0" err="1"/>
+                  <a:t>RW</a:t>
+                </a:r>
+                <a:r>
+                  <a:rPr lang="en-US" sz="2000" dirty="0"/>
+                  <a:t>/R</a:t>
+                </a:r>
+                <a:r>
+                  <a:rPr lang="en-US" sz="2000" baseline="-25000" dirty="0"/>
+                  <a:t>RW</a:t>
+                </a:r>
+                <a:r>
+                  <a:rPr lang="en-US" sz="2000" dirty="0"/>
+                  <a:t>)</a:t>
+                </a:r>
+              </a:p>
+              <a:p>
+                <a:pPr>
+                  <a:lnSpc>
+                    <a:spcPct val="90000"/>
+                  </a:lnSpc>
+                  <a:spcBef>
+                    <a:spcPts val="1200"/>
+                  </a:spcBef>
+                </a:pPr>
+                <a14:m>
+                  <m:oMathPara xmlns:m="http://schemas.openxmlformats.org/officeDocument/2006/math">
+                    <m:oMathParaPr>
+                      <m:jc m:val="left"/>
+                    </m:oMathParaPr>
+                    <m:oMath xmlns:m="http://schemas.openxmlformats.org/officeDocument/2006/math">
+                      <m:sSub>
+                        <m:sSubPr>
+                          <m:ctrlPr>
+                            <a:rPr lang="en-US" sz="2000" b="0" i="1" smtClean="0">
+                              <a:latin typeface="Cambria Math" panose="02040503050406030204" pitchFamily="18" charset="0"/>
+                            </a:rPr>
+                          </m:ctrlPr>
+                        </m:sSubPr>
+                        <m:e>
+                          <m:r>
+                            <a:rPr lang="en-US" sz="2000" b="0" i="1" smtClean="0">
+                              <a:latin typeface="Cambria Math" panose="02040503050406030204" pitchFamily="18" charset="0"/>
+                            </a:rPr>
+                            <m:t>𝜃</m:t>
+                          </m:r>
+                        </m:e>
+                        <m:sub>
+                          <m:r>
+                            <a:rPr lang="en-US" sz="2000" b="0" i="1" smtClean="0">
+                              <a:latin typeface="Cambria Math" panose="02040503050406030204" pitchFamily="18" charset="0"/>
+                            </a:rPr>
+                            <m:t>𝑐</m:t>
+                          </m:r>
+                        </m:sub>
+                      </m:sSub>
+                      <m:r>
+                        <a:rPr lang="en-US" sz="2000" b="0" i="1" smtClean="0">
+                          <a:latin typeface="Cambria Math" panose="02040503050406030204" pitchFamily="18" charset="0"/>
+                        </a:rPr>
+                        <m:t>=</m:t>
+                      </m:r>
+                      <m:sSub>
+                        <m:sSubPr>
+                          <m:ctrlPr>
+                            <a:rPr lang="en-US" sz="2000" b="0" i="1" smtClean="0">
+                              <a:latin typeface="Cambria Math" panose="02040503050406030204" pitchFamily="18" charset="0"/>
+                            </a:rPr>
+                          </m:ctrlPr>
+                        </m:sSubPr>
+                        <m:e>
+                          <m:r>
+                            <a:rPr lang="en-US" sz="2000" b="0" i="1" smtClean="0">
+                              <a:latin typeface="Cambria Math" panose="02040503050406030204" pitchFamily="18" charset="0"/>
+                            </a:rPr>
+                            <m:t>𝜓</m:t>
+                          </m:r>
+                        </m:e>
+                        <m:sub>
+                          <m:r>
+                            <a:rPr lang="en-US" sz="2000" b="0" i="1" smtClean="0">
+                              <a:latin typeface="Cambria Math" panose="02040503050406030204" pitchFamily="18" charset="0"/>
+                            </a:rPr>
+                            <m:t>𝑅𝐴</m:t>
+                          </m:r>
+                        </m:sub>
+                      </m:sSub>
+                      <m:r>
+                        <a:rPr lang="en-US" sz="2000" b="0" i="1" smtClean="0">
+                          <a:latin typeface="Cambria Math" panose="02040503050406030204" pitchFamily="18" charset="0"/>
+                        </a:rPr>
+                        <m:t>−</m:t>
+                      </m:r>
+                      <m:sSub>
+                        <m:sSubPr>
+                          <m:ctrlPr>
+                            <a:rPr lang="en-US" sz="2000" b="0" i="1" smtClean="0">
+                              <a:latin typeface="Cambria Math" panose="02040503050406030204" pitchFamily="18" charset="0"/>
+                            </a:rPr>
+                          </m:ctrlPr>
+                        </m:sSubPr>
+                        <m:e>
+                          <m:r>
+                            <a:rPr lang="en-US" sz="2000" b="0" i="1" smtClean="0">
+                              <a:latin typeface="Cambria Math" panose="02040503050406030204" pitchFamily="18" charset="0"/>
+                            </a:rPr>
+                            <m:t>𝜓</m:t>
+                          </m:r>
+                        </m:e>
+                        <m:sub>
+                          <m:r>
+                            <a:rPr lang="en-US" sz="2000" b="0" i="1" smtClean="0">
+                              <a:latin typeface="Cambria Math" panose="02040503050406030204" pitchFamily="18" charset="0"/>
+                            </a:rPr>
+                            <m:t>𝑥</m:t>
+                          </m:r>
+                        </m:sub>
+                      </m:sSub>
+                    </m:oMath>
+                  </m:oMathPara>
+                </a14:m>
+                <a:endParaRPr lang="en-US" sz="2000" dirty="0"/>
+              </a:p>
+              <a:p>
+                <a:pPr>
+                  <a:lnSpc>
+                    <a:spcPct val="90000"/>
+                  </a:lnSpc>
+                  <a:spcBef>
+                    <a:spcPts val="1200"/>
+                  </a:spcBef>
+                </a:pPr>
+                <a:r>
+                  <a:rPr lang="en-US" sz="2000" u="sng" dirty="0"/>
+                  <a:t>R</a:t>
+                </a:r>
+                <a:r>
+                  <a:rPr lang="en-US" sz="2000" baseline="-25000" dirty="0"/>
+                  <a:t>RW</a:t>
+                </a:r>
+                <a:r>
+                  <a:rPr lang="en-US" sz="2000" dirty="0"/>
+                  <a:t>=</a:t>
+                </a:r>
+                <a14:m>
+                  <m:oMath xmlns:m="http://schemas.openxmlformats.org/officeDocument/2006/math">
+                    <m:rad>
+                      <m:radPr>
+                        <m:degHide m:val="on"/>
+                        <m:ctrlPr>
+                          <a:rPr lang="en-US" sz="2000" b="0" i="1" smtClean="0">
+                            <a:latin typeface="Cambria Math" panose="02040503050406030204" pitchFamily="18" charset="0"/>
+                          </a:rPr>
+                        </m:ctrlPr>
+                      </m:radPr>
+                      <m:deg/>
+                      <m:e>
+                        <m:sSubSup>
+                          <m:sSubSupPr>
+                            <m:ctrlPr>
+                              <a:rPr lang="en-US" sz="2000" b="0" i="1" smtClean="0">
+                                <a:latin typeface="Cambria Math" panose="02040503050406030204" pitchFamily="18" charset="0"/>
+                              </a:rPr>
+                            </m:ctrlPr>
+                          </m:sSubSupPr>
+                          <m:e>
+                            <m:r>
+                              <a:rPr lang="en-US" sz="2000" b="0" i="1" smtClean="0">
+                                <a:latin typeface="Cambria Math" panose="02040503050406030204" pitchFamily="18" charset="0"/>
+                              </a:rPr>
+                              <m:t>𝑅</m:t>
+                            </m:r>
+                          </m:e>
+                          <m:sub>
+                            <m:r>
+                              <a:rPr lang="en-US" sz="2000" b="0" i="1" smtClean="0">
+                                <a:latin typeface="Cambria Math" panose="02040503050406030204" pitchFamily="18" charset="0"/>
+                              </a:rPr>
+                              <m:t>𝑅𝑊</m:t>
+                            </m:r>
+                          </m:sub>
+                          <m:sup>
+                            <m:r>
+                              <a:rPr lang="en-US" sz="2000" b="0" i="1" smtClean="0">
+                                <a:latin typeface="Cambria Math" panose="02040503050406030204" pitchFamily="18" charset="0"/>
+                              </a:rPr>
+                              <m:t>2</m:t>
+                            </m:r>
+                          </m:sup>
+                        </m:sSubSup>
+                        <m:r>
+                          <a:rPr lang="en-US" sz="2000" b="0" i="1" smtClean="0">
+                            <a:latin typeface="Cambria Math" panose="02040503050406030204" pitchFamily="18" charset="0"/>
+                          </a:rPr>
+                          <m:t>+</m:t>
+                        </m:r>
+                        <m:sSubSup>
+                          <m:sSubSupPr>
+                            <m:ctrlPr>
+                              <a:rPr lang="en-US" sz="2000" b="0" i="1" smtClean="0">
+                                <a:latin typeface="Cambria Math" panose="02040503050406030204" pitchFamily="18" charset="0"/>
+                              </a:rPr>
+                            </m:ctrlPr>
+                          </m:sSubSupPr>
+                          <m:e>
+                            <m:r>
+                              <a:rPr lang="en-US" sz="2000" b="0" i="1" smtClean="0">
+                                <a:latin typeface="Cambria Math" panose="02040503050406030204" pitchFamily="18" charset="0"/>
+                              </a:rPr>
+                              <m:t>𝑥</m:t>
+                            </m:r>
+                          </m:e>
+                          <m:sub>
+                            <m:r>
+                              <a:rPr lang="en-US" sz="2000" b="0" i="1" smtClean="0">
+                                <a:latin typeface="Cambria Math" panose="02040503050406030204" pitchFamily="18" charset="0"/>
+                              </a:rPr>
+                              <m:t>𝑅𝑊</m:t>
+                            </m:r>
+                          </m:sub>
+                          <m:sup>
+                            <m:r>
+                              <a:rPr lang="en-US" sz="2000" b="0" i="1" smtClean="0">
+                                <a:latin typeface="Cambria Math" panose="02040503050406030204" pitchFamily="18" charset="0"/>
+                              </a:rPr>
+                              <m:t>2</m:t>
+                            </m:r>
+                          </m:sup>
+                        </m:sSubSup>
+                      </m:e>
+                    </m:rad>
+                  </m:oMath>
+                </a14:m>
+                <a:endParaRPr lang="en-US" sz="2000" u="sng" dirty="0"/>
+              </a:p>
+              <a:p>
+                <a:pPr>
+                  <a:lnSpc>
+                    <a:spcPct val="90000"/>
+                  </a:lnSpc>
+                  <a:spcBef>
+                    <a:spcPts val="1200"/>
+                  </a:spcBef>
+                </a:pPr>
+                <a:r>
+                  <a:rPr lang="en-US" sz="2000" u="sng" dirty="0"/>
+                  <a:t>z</a:t>
+                </a:r>
+                <a:r>
+                  <a:rPr lang="en-US" sz="2000" baseline="-25000" dirty="0"/>
+                  <a:t>IR</a:t>
+                </a:r>
+                <a:r>
+                  <a:rPr lang="en-US" sz="2000" baseline="30000" dirty="0"/>
+                  <a:t>2</a:t>
+                </a:r>
+                <a:r>
+                  <a:rPr lang="en-US" sz="2000" dirty="0"/>
+                  <a:t>=R</a:t>
+                </a:r>
+                <a:r>
+                  <a:rPr lang="en-US" sz="2000" baseline="-25000" dirty="0"/>
+                  <a:t>RW</a:t>
+                </a:r>
+                <a:r>
+                  <a:rPr lang="en-US" sz="2000" baseline="30000" dirty="0"/>
+                  <a:t>2</a:t>
+                </a:r>
+                <a:r>
+                  <a:rPr lang="en-US" sz="2000" dirty="0"/>
+                  <a:t>+R</a:t>
+                </a:r>
+                <a:r>
+                  <a:rPr lang="en-US" sz="2000" baseline="-25000" dirty="0"/>
+                  <a:t>IR</a:t>
+                </a:r>
+                <a:r>
+                  <a:rPr lang="en-US" sz="2000" baseline="30000" dirty="0"/>
+                  <a:t>2</a:t>
+                </a:r>
+                <a:r>
+                  <a:rPr lang="en-US" sz="2000" dirty="0"/>
+                  <a:t>-2R</a:t>
+                </a:r>
+                <a:r>
+                  <a:rPr lang="en-US" sz="2000" baseline="-25000" dirty="0"/>
+                  <a:t>RW</a:t>
+                </a:r>
+                <a:r>
+                  <a:rPr lang="en-US" sz="2000" dirty="0"/>
+                  <a:t>R</a:t>
+                </a:r>
+                <a:r>
+                  <a:rPr lang="en-US" sz="2000" baseline="-25000" dirty="0"/>
+                  <a:t>IR</a:t>
+                </a:r>
+                <a:r>
+                  <a:rPr lang="en-US" sz="2000" dirty="0"/>
+                  <a:t>cos(</a:t>
+                </a:r>
+                <a14:m>
+                  <m:oMath xmlns:m="http://schemas.openxmlformats.org/officeDocument/2006/math">
+                    <m:sSub>
+                      <m:sSubPr>
+                        <m:ctrlPr>
+                          <a:rPr lang="en-US" sz="2000" b="0" i="1" smtClean="0">
+                            <a:latin typeface="Cambria Math" panose="02040503050406030204" pitchFamily="18" charset="0"/>
+                          </a:rPr>
+                        </m:ctrlPr>
+                      </m:sSubPr>
+                      <m:e>
+                        <m:r>
+                          <a:rPr lang="en-US" sz="2000" b="0" i="1" smtClean="0">
+                            <a:latin typeface="Cambria Math" panose="02040503050406030204" pitchFamily="18" charset="0"/>
+                          </a:rPr>
+                          <m:t>𝜃</m:t>
+                        </m:r>
+                      </m:e>
+                      <m:sub>
+                        <m:r>
+                          <a:rPr lang="en-US" sz="2000" b="0" i="1" smtClean="0">
+                            <a:latin typeface="Cambria Math" panose="02040503050406030204" pitchFamily="18" charset="0"/>
+                          </a:rPr>
+                          <m:t>𝑐</m:t>
+                        </m:r>
+                      </m:sub>
+                    </m:sSub>
+                  </m:oMath>
+                </a14:m>
+                <a:r>
+                  <a:rPr lang="en-US" sz="2000" dirty="0"/>
+                  <a:t>)</a:t>
+                </a:r>
+                <a:endParaRPr lang="en-US" sz="2000" u="sng" dirty="0"/>
+              </a:p>
+              <a:p>
+                <a:pPr marL="512763" indent="-512763">
+                  <a:lnSpc>
+                    <a:spcPct val="90000"/>
+                  </a:lnSpc>
+                  <a:spcBef>
+                    <a:spcPts val="1200"/>
+                  </a:spcBef>
+                </a:pPr>
+                <a:r>
+                  <a:rPr lang="en-US" sz="2000" u="sng" dirty="0"/>
+                  <a:t>R</a:t>
+                </a:r>
+                <a:r>
+                  <a:rPr lang="en-US" sz="2000" baseline="-25000" dirty="0"/>
+                  <a:t>RW</a:t>
+                </a:r>
+                <a:r>
+                  <a:rPr lang="en-US" sz="2000" baseline="30000" dirty="0"/>
+                  <a:t>2</a:t>
+                </a:r>
+                <a:r>
+                  <a:rPr lang="en-US" sz="2000" dirty="0"/>
+                  <a:t> = R</a:t>
+                </a:r>
+                <a:r>
+                  <a:rPr lang="en-US" sz="2000" baseline="-25000" dirty="0"/>
+                  <a:t>RW</a:t>
+                </a:r>
+                <a:r>
+                  <a:rPr lang="en-US" sz="2000" baseline="30000" dirty="0"/>
+                  <a:t>2</a:t>
+                </a:r>
+                <a:r>
+                  <a:rPr lang="en-US" sz="2000" dirty="0"/>
+                  <a:t> + x</a:t>
+                </a:r>
+                <a:r>
+                  <a:rPr lang="en-US" sz="2000" baseline="-25000" dirty="0"/>
+                  <a:t>RW</a:t>
+                </a:r>
+                <a:r>
+                  <a:rPr lang="en-US" sz="2000" baseline="30000" dirty="0"/>
+                  <a:t>2</a:t>
+                </a:r>
+              </a:p>
+              <a:p>
+                <a:pPr marL="512763" indent="-512763">
+                  <a:lnSpc>
+                    <a:spcPct val="90000"/>
+                  </a:lnSpc>
+                  <a:spcBef>
+                    <a:spcPts val="1200"/>
+                  </a:spcBef>
+                </a:pPr>
+                <a:r>
+                  <a:rPr lang="en-US" sz="2000" dirty="0"/>
+                  <a:t>S</a:t>
+                </a:r>
+                <a:r>
+                  <a:rPr lang="en-US" sz="2000" baseline="-25000" dirty="0"/>
+                  <a:t>R </a:t>
+                </a:r>
+                <a:r>
+                  <a:rPr lang="en-US" sz="2000" dirty="0"/>
+                  <a:t>=Lt*cos(</a:t>
+                </a:r>
+                <a:r>
+                  <a:rPr lang="en-US" altLang="zh-CN" sz="2000" dirty="0" err="1"/>
+                  <a:t>θ</a:t>
+                </a:r>
+                <a:r>
+                  <a:rPr lang="en-US" altLang="zh-CN" sz="2000" baseline="-25000" dirty="0" err="1"/>
+                  <a:t>tilt_IR</a:t>
+                </a:r>
+                <a:r>
+                  <a:rPr lang="en-US" sz="2000" dirty="0"/>
+                  <a:t>)-</a:t>
+                </a:r>
+                <a:r>
+                  <a:rPr lang="en-US" sz="2000" dirty="0" err="1"/>
+                  <a:t>Lw</a:t>
+                </a:r>
+                <a:r>
+                  <a:rPr lang="en-US" sz="2000" dirty="0"/>
+                  <a:t> *cos(</a:t>
+                </a:r>
+                <a:r>
+                  <a:rPr lang="en-US" altLang="zh-CN" sz="2000" dirty="0" err="1"/>
+                  <a:t>θ</a:t>
+                </a:r>
+                <a:r>
+                  <a:rPr lang="en-US" altLang="zh-CN" sz="2000" baseline="-25000" dirty="0" err="1"/>
+                  <a:t>tilt_IR</a:t>
+                </a:r>
+                <a:r>
+                  <a:rPr lang="en-US" sz="2000" dirty="0"/>
+                  <a:t>)- </a:t>
+                </a:r>
+                <a:r>
+                  <a:rPr lang="en-US" sz="2000" u="sng" dirty="0" err="1"/>
+                  <a:t>z</a:t>
+                </a:r>
+                <a:r>
+                  <a:rPr lang="en-US" sz="2000" baseline="-25000" dirty="0" err="1"/>
+                  <a:t>IR</a:t>
+                </a:r>
+                <a:endParaRPr lang="en-US" sz="2000" baseline="-25000" dirty="0"/>
+              </a:p>
+              <a:p>
+                <a:pPr marL="512763" indent="-512763">
+                  <a:lnSpc>
+                    <a:spcPct val="90000"/>
+                  </a:lnSpc>
+                  <a:spcBef>
+                    <a:spcPts val="1200"/>
+                  </a:spcBef>
+                </a:pPr>
+                <a:r>
+                  <a:rPr lang="en-US" altLang="zh-CN" sz="2000" dirty="0"/>
+                  <a:t>Z = </a:t>
+                </a:r>
+                <a:r>
+                  <a:rPr lang="en-US" altLang="zh-CN" sz="2000" dirty="0" err="1"/>
+                  <a:t>γ</a:t>
+                </a:r>
+                <a:r>
+                  <a:rPr lang="en-US" altLang="zh-CN" sz="2000" baseline="-25000" dirty="0" err="1"/>
+                  <a:t>IR</a:t>
+                </a:r>
+                <a:r>
+                  <a:rPr lang="en-US" altLang="zh-CN" sz="2000" baseline="-25000" dirty="0"/>
+                  <a:t> </a:t>
+                </a:r>
+                <a:r>
+                  <a:rPr lang="en-US" altLang="zh-CN" sz="2000" dirty="0"/>
+                  <a:t>+Lt*sin(</a:t>
+                </a:r>
+                <a:r>
+                  <a:rPr lang="en-US" altLang="zh-CN" sz="2000" dirty="0" err="1"/>
+                  <a:t>θ</a:t>
+                </a:r>
+                <a:r>
+                  <a:rPr lang="en-US" altLang="zh-CN" sz="2000" baseline="-25000" dirty="0" err="1"/>
+                  <a:t>tilt_IR</a:t>
+                </a:r>
+                <a:r>
+                  <a:rPr lang="en-US" altLang="zh-CN" sz="2000" dirty="0"/>
+                  <a:t>)</a:t>
+                </a:r>
+              </a:p>
+              <a:p>
+                <a:pPr marL="512763" indent="-512763">
+                  <a:lnSpc>
+                    <a:spcPct val="90000"/>
+                  </a:lnSpc>
+                  <a:spcBef>
+                    <a:spcPts val="1200"/>
+                  </a:spcBef>
+                </a:pPr>
+                <a:r>
+                  <a:rPr lang="en-US" altLang="zh-CN" sz="2000" dirty="0" err="1"/>
+                  <a:t>θ</a:t>
+                </a:r>
+                <a:r>
+                  <a:rPr lang="en-US" altLang="zh-CN" sz="2000" baseline="-25000" dirty="0" err="1"/>
+                  <a:t>tilt</a:t>
+                </a:r>
+                <a:r>
+                  <a:rPr lang="en-US" altLang="zh-CN" sz="2000" baseline="-25000" dirty="0"/>
+                  <a:t> </a:t>
+                </a:r>
+                <a:r>
+                  <a:rPr lang="en-US" sz="2000" dirty="0"/>
+                  <a:t>=</a:t>
+                </a:r>
+                <a:r>
+                  <a:rPr lang="en-US" altLang="zh-CN" sz="2000" dirty="0"/>
+                  <a:t> -</a:t>
+                </a:r>
+                <a:r>
+                  <a:rPr lang="en-US" altLang="zh-CN" sz="2000" dirty="0" err="1"/>
+                  <a:t>θ</a:t>
+                </a:r>
+                <a:r>
+                  <a:rPr lang="en-US" altLang="zh-CN" sz="2000" baseline="-25000" dirty="0" err="1"/>
+                  <a:t>tilt_IR</a:t>
+                </a:r>
+                <a:endParaRPr lang="en-US" altLang="zh-CN" sz="2000" baseline="-25000" dirty="0"/>
+              </a:p>
+              <a:p>
+                <a:pPr marL="512763" indent="-512763">
+                  <a:lnSpc>
+                    <a:spcPct val="90000"/>
+                  </a:lnSpc>
+                  <a:spcBef>
+                    <a:spcPts val="1200"/>
+                  </a:spcBef>
+                </a:pPr>
+                <a14:m>
+                  <m:oMath xmlns:m="http://schemas.openxmlformats.org/officeDocument/2006/math">
+                    <m:r>
+                      <a:rPr lang="en-US" sz="2000" b="0" i="1" smtClean="0">
+                        <a:latin typeface="Cambria Math" panose="02040503050406030204" pitchFamily="18" charset="0"/>
+                      </a:rPr>
+                      <m:t>𝛼</m:t>
+                    </m:r>
+                    <m:r>
+                      <a:rPr lang="en-US" sz="2000" b="0" i="1" smtClean="0">
+                        <a:latin typeface="Cambria Math" panose="02040503050406030204" pitchFamily="18" charset="0"/>
+                      </a:rPr>
+                      <m:t>=</m:t>
+                    </m:r>
+                    <m:r>
+                      <m:rPr>
+                        <m:nor/>
+                      </m:rPr>
+                      <a:rPr lang="en-US" altLang="zh-CN" sz="2000" dirty="0"/>
+                      <m:t>Φ</m:t>
+                    </m:r>
+                    <m:r>
+                      <m:rPr>
+                        <m:nor/>
+                      </m:rPr>
+                      <a:rPr lang="en-US" altLang="zh-CN" sz="2000" baseline="-25000" dirty="0"/>
+                      <m:t>RA</m:t>
+                    </m:r>
+                  </m:oMath>
+                </a14:m>
+                <a:r>
+                  <a:rPr lang="en-US" sz="2000" dirty="0"/>
+                  <a:t>-atan(x/y)</a:t>
+                </a:r>
+              </a:p>
+            </p:txBody>
+          </p:sp>
+        </mc:Choice>
+        <mc:Fallback>
+          <p:sp>
+            <p:nvSpPr>
+              <p:cNvPr id="33" name="TextBox 32">
+                <a:extLst>
+                  <a:ext uri="{FF2B5EF4-FFF2-40B4-BE49-F238E27FC236}">
+                    <a16:creationId xmlns:a16="http://schemas.microsoft.com/office/drawing/2014/main" id="{FEDE0D0F-16CB-47E9-9F7B-E0856DED3601}"/>
+                  </a:ext>
+                </a:extLst>
+              </p:cNvPr>
+              <p:cNvSpPr txBox="1">
+                <a:spLocks noRot="1" noChangeAspect="1" noMove="1" noResize="1" noEditPoints="1" noAdjustHandles="1" noChangeArrowheads="1" noChangeShapeType="1" noTextEdit="1"/>
+              </p:cNvSpPr>
+              <p:nvPr/>
+            </p:nvSpPr>
+            <p:spPr>
+              <a:xfrm>
+                <a:off x="7292978" y="1109968"/>
+                <a:ext cx="4335631" cy="4657109"/>
+              </a:xfrm>
+              <a:prstGeom prst="rect">
+                <a:avLst/>
+              </a:prstGeom>
+              <a:blipFill>
+                <a:blip r:embed="rId3"/>
+                <a:stretch>
+                  <a:fillRect l="-1404" t="-1309" b="-1440"/>
+                </a:stretch>
+              </a:blipFill>
+            </p:spPr>
+            <p:txBody>
+              <a:bodyPr/>
+              <a:lstStyle/>
+              <a:p>
+                <a:r>
+                  <a:rPr lang="en-US">
+                    <a:noFill/>
+                  </a:rPr>
+                  <a:t> </a:t>
+                </a:r>
+              </a:p>
+            </p:txBody>
+          </p:sp>
+        </mc:Fallback>
+      </mc:AlternateContent>
+    </p:spTree>
+    <p:extLst>
+      <p:ext uri="{BB962C8B-B14F-4D97-AF65-F5344CB8AC3E}">
+        <p14:creationId xmlns:p14="http://schemas.microsoft.com/office/powerpoint/2010/main" val="1376934766"/>
+      </p:ext>
+    </p:extLst>
+  </p:cSld>
+  <p:clrMapOvr>
+    <a:masterClrMapping/>
+  </p:clrMapOvr>
+</p:sld>
+</file>
+
+<file path=ppt/slides/slide11.xml><?xml version="1.0" encoding="utf-8"?>
+<p:sld xmlns:a="http://schemas.openxmlformats.org/drawingml/2006/main" xmlns:r="http://schemas.openxmlformats.org/officeDocument/2006/relationships" xmlns:p="http://schemas.openxmlformats.org/presentationml/2006/main">
+  <p:cSld>
+    <p:spTree>
+      <p:nvGrpSpPr>
+        <p:cNvPr id="1" name=""/>
+        <p:cNvGrpSpPr/>
+        <p:nvPr/>
+      </p:nvGrpSpPr>
+      <p:grpSpPr>
+        <a:xfrm>
+          <a:off x="0" y="0"/>
+          <a:ext cx="0" cy="0"/>
+          <a:chOff x="0" y="0"/>
+          <a:chExt cx="0" cy="0"/>
+        </a:xfrm>
+      </p:grpSpPr>
       <p:grpSp>
         <p:nvGrpSpPr>
           <p:cNvPr id="2" name="Group 1">
@@ -4114,7 +6948,7 @@
 </p:sld>
 </file>
 
-<file path=ppt/slides/slide11.xml><?xml version="1.0" encoding="utf-8"?>
+<file path=ppt/slides/slide12.xml><?xml version="1.0" encoding="utf-8"?>
 <p:sld xmlns:a="http://schemas.openxmlformats.org/drawingml/2006/main" xmlns:r="http://schemas.openxmlformats.org/officeDocument/2006/relationships" xmlns:p="http://schemas.openxmlformats.org/presentationml/2006/main">
   <p:cSld>
     <p:spTree>
@@ -4251,7 +7085,7 @@
 </p:sld>
 </file>
 
-<file path=ppt/slides/slide12.xml><?xml version="1.0" encoding="utf-8"?>
+<file path=ppt/slides/slide13.xml><?xml version="1.0" encoding="utf-8"?>
 <p:sld xmlns:a="http://schemas.openxmlformats.org/drawingml/2006/main" xmlns:r="http://schemas.openxmlformats.org/officeDocument/2006/relationships" xmlns:p="http://schemas.openxmlformats.org/presentationml/2006/main">
   <p:cSld>
     <p:spTree>
@@ -4316,7 +7150,7 @@
 </p:sld>
 </file>
 
-<file path=ppt/slides/slide13.xml><?xml version="1.0" encoding="utf-8"?>
+<file path=ppt/slides/slide14.xml><?xml version="1.0" encoding="utf-8"?>
 <p:sld xmlns:a="http://schemas.openxmlformats.org/drawingml/2006/main" xmlns:r="http://schemas.openxmlformats.org/officeDocument/2006/relationships" xmlns:p="http://schemas.openxmlformats.org/presentationml/2006/main">
   <p:cSld>
     <p:spTree>
@@ -16765,8 +19599,8 @@
           </a:p>
         </p:txBody>
       </p:sp>
-      <mc:AlternateContent xmlns:mc="http://schemas.openxmlformats.org/markup-compatibility/2006" xmlns:a14="http://schemas.microsoft.com/office/drawing/2010/main">
-        <mc:Choice Requires="a14">
+      <mc:AlternateContent xmlns:mc="http://schemas.openxmlformats.org/markup-compatibility/2006">
+        <mc:Choice xmlns:a14="http://schemas.microsoft.com/office/drawing/2010/main" Requires="a14">
           <p:sp>
             <p:nvSpPr>
               <p:cNvPr id="71" name="TextBox 70">
@@ -16831,7 +19665,7 @@
                 </a:r>
                 <a:r>
                   <a:rPr lang="en-US" sz="2000" dirty="0"/>
-                  <a:t>(y/x)+2</a:t>
+                  <a:t>(x/y)+2</a:t>
                 </a:r>
                 <a:r>
                   <a:rPr lang="en-US" altLang="zh-CN" sz="2000" dirty="0"/>
@@ -17147,7 +19981,11 @@
                 </a:r>
                 <a:r>
                   <a:rPr lang="en-US" sz="2000" dirty="0"/>
-                  <a:t>·z</a:t>
+                  <a:t>·</a:t>
+                </a:r>
+                <a:r>
+                  <a:rPr lang="en-US" sz="2000" u="sng" dirty="0"/>
+                  <a:t>z</a:t>
                 </a:r>
                 <a:r>
                   <a:rPr lang="en-US" sz="2000" baseline="-25000" dirty="0"/>
@@ -17384,7 +20222,7 @@
             </p:txBody>
           </p:sp>
         </mc:Choice>
-        <mc:Fallback xmlns="">
+        <mc:Fallback>
           <p:sp>
             <p:nvSpPr>
               <p:cNvPr id="71" name="TextBox 70">
@@ -17410,7 +20248,7 @@
               <a:blipFill>
                 <a:blip r:embed="rId2"/>
                 <a:stretch>
-                  <a:fillRect l="-1406" t="-1232"/>
+                  <a:fillRect l="-1406" t="-1355"/>
                 </a:stretch>
               </a:blipFill>
             </p:spPr>

--- a/NSTX-U High-k Scattering receiver optical calibration_07252024.pptx
+++ b/NSTX-U High-k Scattering receiver optical calibration_07252024.pptx
@@ -210,7 +210,7 @@
           <a:p>
             <a:fld id="{AF60D8B1-3022-4980-B7CB-5F1A6EED3A3C}" type="datetimeFigureOut">
               <a:rPr lang="en-US" smtClean="0"/>
-              <a:t>7/29/2024</a:t>
+              <a:t>7/30/2024</a:t>
             </a:fld>
             <a:endParaRPr lang="en-US"/>
           </a:p>
@@ -792,7 +792,7 @@
           <a:p>
             <a:fld id="{270D4FAA-57D5-48F2-8C7B-9CAAC1E82C81}" type="datetimeFigureOut">
               <a:rPr lang="en-US" smtClean="0"/>
-              <a:t>7/29/2024</a:t>
+              <a:t>7/30/2024</a:t>
             </a:fld>
             <a:endParaRPr lang="en-US"/>
           </a:p>
@@ -990,7 +990,7 @@
           <a:p>
             <a:fld id="{270D4FAA-57D5-48F2-8C7B-9CAAC1E82C81}" type="datetimeFigureOut">
               <a:rPr lang="en-US" smtClean="0"/>
-              <a:t>7/29/2024</a:t>
+              <a:t>7/30/2024</a:t>
             </a:fld>
             <a:endParaRPr lang="en-US"/>
           </a:p>
@@ -1198,7 +1198,7 @@
           <a:p>
             <a:fld id="{270D4FAA-57D5-48F2-8C7B-9CAAC1E82C81}" type="datetimeFigureOut">
               <a:rPr lang="en-US" smtClean="0"/>
-              <a:t>7/29/2024</a:t>
+              <a:t>7/30/2024</a:t>
             </a:fld>
             <a:endParaRPr lang="en-US"/>
           </a:p>
@@ -1396,7 +1396,7 @@
           <a:p>
             <a:fld id="{270D4FAA-57D5-48F2-8C7B-9CAAC1E82C81}" type="datetimeFigureOut">
               <a:rPr lang="en-US" smtClean="0"/>
-              <a:t>7/29/2024</a:t>
+              <a:t>7/30/2024</a:t>
             </a:fld>
             <a:endParaRPr lang="en-US"/>
           </a:p>
@@ -1671,7 +1671,7 @@
           <a:p>
             <a:fld id="{270D4FAA-57D5-48F2-8C7B-9CAAC1E82C81}" type="datetimeFigureOut">
               <a:rPr lang="en-US" smtClean="0"/>
-              <a:t>7/29/2024</a:t>
+              <a:t>7/30/2024</a:t>
             </a:fld>
             <a:endParaRPr lang="en-US"/>
           </a:p>
@@ -1936,7 +1936,7 @@
           <a:p>
             <a:fld id="{270D4FAA-57D5-48F2-8C7B-9CAAC1E82C81}" type="datetimeFigureOut">
               <a:rPr lang="en-US" smtClean="0"/>
-              <a:t>7/29/2024</a:t>
+              <a:t>7/30/2024</a:t>
             </a:fld>
             <a:endParaRPr lang="en-US"/>
           </a:p>
@@ -2348,7 +2348,7 @@
           <a:p>
             <a:fld id="{270D4FAA-57D5-48F2-8C7B-9CAAC1E82C81}" type="datetimeFigureOut">
               <a:rPr lang="en-US" smtClean="0"/>
-              <a:t>7/29/2024</a:t>
+              <a:t>7/30/2024</a:t>
             </a:fld>
             <a:endParaRPr lang="en-US"/>
           </a:p>
@@ -2489,7 +2489,7 @@
           <a:p>
             <a:fld id="{270D4FAA-57D5-48F2-8C7B-9CAAC1E82C81}" type="datetimeFigureOut">
               <a:rPr lang="en-US" smtClean="0"/>
-              <a:t>7/29/2024</a:t>
+              <a:t>7/30/2024</a:t>
             </a:fld>
             <a:endParaRPr lang="en-US"/>
           </a:p>
@@ -2602,7 +2602,7 @@
           <a:p>
             <a:fld id="{270D4FAA-57D5-48F2-8C7B-9CAAC1E82C81}" type="datetimeFigureOut">
               <a:rPr lang="en-US" smtClean="0"/>
-              <a:t>7/29/2024</a:t>
+              <a:t>7/30/2024</a:t>
             </a:fld>
             <a:endParaRPr lang="en-US"/>
           </a:p>
@@ -2913,7 +2913,7 @@
           <a:p>
             <a:fld id="{270D4FAA-57D5-48F2-8C7B-9CAAC1E82C81}" type="datetimeFigureOut">
               <a:rPr lang="en-US" smtClean="0"/>
-              <a:t>7/29/2024</a:t>
+              <a:t>7/30/2024</a:t>
             </a:fld>
             <a:endParaRPr lang="en-US"/>
           </a:p>
@@ -3201,7 +3201,7 @@
           <a:p>
             <a:fld id="{270D4FAA-57D5-48F2-8C7B-9CAAC1E82C81}" type="datetimeFigureOut">
               <a:rPr lang="en-US" smtClean="0"/>
-              <a:t>7/29/2024</a:t>
+              <a:t>7/30/2024</a:t>
             </a:fld>
             <a:endParaRPr lang="en-US"/>
           </a:p>
@@ -3442,7 +3442,7 @@
           <a:p>
             <a:fld id="{270D4FAA-57D5-48F2-8C7B-9CAAC1E82C81}" type="datetimeFigureOut">
               <a:rPr lang="en-US" smtClean="0"/>
-              <a:t>7/29/2024</a:t>
+              <a:t>7/30/2024</a:t>
             </a:fld>
             <a:endParaRPr lang="en-US"/>
           </a:p>
@@ -3991,8 +3991,8 @@
           </a:p>
         </p:txBody>
       </p:sp>
-      <mc:AlternateContent xmlns:mc="http://schemas.openxmlformats.org/markup-compatibility/2006">
-        <mc:Choice xmlns:a14="http://schemas.microsoft.com/office/drawing/2010/main" Requires="a14">
+      <mc:AlternateContent xmlns:mc="http://schemas.openxmlformats.org/markup-compatibility/2006" xmlns:a14="http://schemas.microsoft.com/office/drawing/2010/main">
+        <mc:Choice Requires="a14">
           <p:sp>
             <p:nvSpPr>
               <p:cNvPr id="3" name="TextBox 2">
@@ -4603,7 +4603,7 @@
             </p:txBody>
           </p:sp>
         </mc:Choice>
-        <mc:Fallback>
+        <mc:Fallback xmlns="">
           <p:sp>
             <p:nvSpPr>
               <p:cNvPr id="3" name="TextBox 2">
@@ -5955,7 +5955,7 @@
             <p:spPr>
               <a:xfrm>
                 <a:off x="7292978" y="1109968"/>
-                <a:ext cx="4335631" cy="4657109"/>
+                <a:ext cx="4335631" cy="4782078"/>
               </a:xfrm>
               <a:prstGeom prst="rect">
                 <a:avLst/>
@@ -6685,6 +6685,37 @@
                       </a:rPr>
                       <m:t>=</m:t>
                     </m:r>
+                    <m:f>
+                      <m:fPr>
+                        <m:ctrlPr>
+                          <a:rPr lang="en-US" sz="2000" b="0" i="1" smtClean="0">
+                            <a:latin typeface="Cambria Math" panose="02040503050406030204" pitchFamily="18" charset="0"/>
+                          </a:rPr>
+                        </m:ctrlPr>
+                      </m:fPr>
+                      <m:num>
+                        <m:r>
+                          <a:rPr lang="en-US" sz="2000" b="0" i="1" smtClean="0">
+                            <a:latin typeface="Cambria Math" panose="02040503050406030204" pitchFamily="18" charset="0"/>
+                          </a:rPr>
+                          <m:t>1</m:t>
+                        </m:r>
+                      </m:num>
+                      <m:den>
+                        <m:r>
+                          <a:rPr lang="en-US" sz="2000" b="0" i="1" smtClean="0">
+                            <a:latin typeface="Cambria Math" panose="02040503050406030204" pitchFamily="18" charset="0"/>
+                          </a:rPr>
+                          <m:t>2</m:t>
+                        </m:r>
+                      </m:den>
+                    </m:f>
+                    <m:r>
+                      <a:rPr lang="en-US" sz="2000" b="0" i="1" smtClean="0">
+                        <a:latin typeface="Cambria Math" panose="02040503050406030204" pitchFamily="18" charset="0"/>
+                      </a:rPr>
+                      <m:t>(</m:t>
+                    </m:r>
                     <m:r>
                       <m:rPr>
                         <m:nor/>
@@ -6703,7 +6734,7 @@
                 </a14:m>
                 <a:r>
                   <a:rPr lang="en-US" sz="2000" dirty="0"/>
-                  <a:t>-atan(x/y)</a:t>
+                  <a:t>-atan(x/y))</a:t>
                 </a:r>
               </a:p>
             </p:txBody>
@@ -6727,7 +6758,7 @@
             <p:spPr>
               <a:xfrm>
                 <a:off x="7292978" y="1109968"/>
-                <a:ext cx="4335631" cy="4657109"/>
+                <a:ext cx="4335631" cy="4782078"/>
               </a:xfrm>
               <a:prstGeom prst="rect">
                 <a:avLst/>
@@ -6735,7 +6766,7 @@
               <a:blipFill>
                 <a:blip r:embed="rId3"/>
                 <a:stretch>
-                  <a:fillRect l="-1404" t="-1309" b="-1440"/>
+                  <a:fillRect l="-1404" t="-1274"/>
                 </a:stretch>
               </a:blipFill>
             </p:spPr>
@@ -19599,8 +19630,8 @@
           </a:p>
         </p:txBody>
       </p:sp>
-      <mc:AlternateContent xmlns:mc="http://schemas.openxmlformats.org/markup-compatibility/2006">
-        <mc:Choice xmlns:a14="http://schemas.microsoft.com/office/drawing/2010/main" Requires="a14">
+      <mc:AlternateContent xmlns:mc="http://schemas.openxmlformats.org/markup-compatibility/2006" xmlns:a14="http://schemas.microsoft.com/office/drawing/2010/main">
+        <mc:Choice Requires="a14">
           <p:sp>
             <p:nvSpPr>
               <p:cNvPr id="71" name="TextBox 70">
@@ -20222,7 +20253,7 @@
             </p:txBody>
           </p:sp>
         </mc:Choice>
-        <mc:Fallback>
+        <mc:Fallback xmlns="">
           <p:sp>
             <p:nvSpPr>
               <p:cNvPr id="71" name="TextBox 70">

--- a/NSTX-U High-k Scattering receiver optical calibration_07252024.pptx
+++ b/NSTX-U High-k Scattering receiver optical calibration_07252024.pptx
@@ -5938,8 +5938,8 @@
           </a:p>
         </p:txBody>
       </p:sp>
-      <mc:AlternateContent xmlns:mc="http://schemas.openxmlformats.org/markup-compatibility/2006">
-        <mc:Choice xmlns:a14="http://schemas.microsoft.com/office/drawing/2010/main" Requires="a14">
+      <mc:AlternateContent xmlns:mc="http://schemas.openxmlformats.org/markup-compatibility/2006" xmlns:a14="http://schemas.microsoft.com/office/drawing/2010/main">
+        <mc:Choice Requires="a14">
           <p:sp>
             <p:nvSpPr>
               <p:cNvPr id="33" name="TextBox 32">
@@ -6740,7 +6740,7 @@
             </p:txBody>
           </p:sp>
         </mc:Choice>
-        <mc:Fallback>
+        <mc:Fallback xmlns="">
           <p:sp>
             <p:nvSpPr>
               <p:cNvPr id="33" name="TextBox 32">

--- a/NSTX-U High-k Scattering receiver optical calibration_07252024.pptx
+++ b/NSTX-U High-k Scattering receiver optical calibration_07252024.pptx
@@ -210,7 +210,7 @@
           <a:p>
             <a:fld id="{AF60D8B1-3022-4980-B7CB-5F1A6EED3A3C}" type="datetimeFigureOut">
               <a:rPr lang="en-US" smtClean="0"/>
-              <a:t>7/30/2024</a:t>
+              <a:t>8/18/2024</a:t>
             </a:fld>
             <a:endParaRPr lang="en-US"/>
           </a:p>
@@ -792,7 +792,7 @@
           <a:p>
             <a:fld id="{270D4FAA-57D5-48F2-8C7B-9CAAC1E82C81}" type="datetimeFigureOut">
               <a:rPr lang="en-US" smtClean="0"/>
-              <a:t>7/30/2024</a:t>
+              <a:t>8/18/2024</a:t>
             </a:fld>
             <a:endParaRPr lang="en-US"/>
           </a:p>
@@ -990,7 +990,7 @@
           <a:p>
             <a:fld id="{270D4FAA-57D5-48F2-8C7B-9CAAC1E82C81}" type="datetimeFigureOut">
               <a:rPr lang="en-US" smtClean="0"/>
-              <a:t>7/30/2024</a:t>
+              <a:t>8/18/2024</a:t>
             </a:fld>
             <a:endParaRPr lang="en-US"/>
           </a:p>
@@ -1198,7 +1198,7 @@
           <a:p>
             <a:fld id="{270D4FAA-57D5-48F2-8C7B-9CAAC1E82C81}" type="datetimeFigureOut">
               <a:rPr lang="en-US" smtClean="0"/>
-              <a:t>7/30/2024</a:t>
+              <a:t>8/18/2024</a:t>
             </a:fld>
             <a:endParaRPr lang="en-US"/>
           </a:p>
@@ -1396,7 +1396,7 @@
           <a:p>
             <a:fld id="{270D4FAA-57D5-48F2-8C7B-9CAAC1E82C81}" type="datetimeFigureOut">
               <a:rPr lang="en-US" smtClean="0"/>
-              <a:t>7/30/2024</a:t>
+              <a:t>8/18/2024</a:t>
             </a:fld>
             <a:endParaRPr lang="en-US"/>
           </a:p>
@@ -1671,7 +1671,7 @@
           <a:p>
             <a:fld id="{270D4FAA-57D5-48F2-8C7B-9CAAC1E82C81}" type="datetimeFigureOut">
               <a:rPr lang="en-US" smtClean="0"/>
-              <a:t>7/30/2024</a:t>
+              <a:t>8/18/2024</a:t>
             </a:fld>
             <a:endParaRPr lang="en-US"/>
           </a:p>
@@ -1936,7 +1936,7 @@
           <a:p>
             <a:fld id="{270D4FAA-57D5-48F2-8C7B-9CAAC1E82C81}" type="datetimeFigureOut">
               <a:rPr lang="en-US" smtClean="0"/>
-              <a:t>7/30/2024</a:t>
+              <a:t>8/18/2024</a:t>
             </a:fld>
             <a:endParaRPr lang="en-US"/>
           </a:p>
@@ -2348,7 +2348,7 @@
           <a:p>
             <a:fld id="{270D4FAA-57D5-48F2-8C7B-9CAAC1E82C81}" type="datetimeFigureOut">
               <a:rPr lang="en-US" smtClean="0"/>
-              <a:t>7/30/2024</a:t>
+              <a:t>8/18/2024</a:t>
             </a:fld>
             <a:endParaRPr lang="en-US"/>
           </a:p>
@@ -2489,7 +2489,7 @@
           <a:p>
             <a:fld id="{270D4FAA-57D5-48F2-8C7B-9CAAC1E82C81}" type="datetimeFigureOut">
               <a:rPr lang="en-US" smtClean="0"/>
-              <a:t>7/30/2024</a:t>
+              <a:t>8/18/2024</a:t>
             </a:fld>
             <a:endParaRPr lang="en-US"/>
           </a:p>
@@ -2602,7 +2602,7 @@
           <a:p>
             <a:fld id="{270D4FAA-57D5-48F2-8C7B-9CAAC1E82C81}" type="datetimeFigureOut">
               <a:rPr lang="en-US" smtClean="0"/>
-              <a:t>7/30/2024</a:t>
+              <a:t>8/18/2024</a:t>
             </a:fld>
             <a:endParaRPr lang="en-US"/>
           </a:p>
@@ -2913,7 +2913,7 @@
           <a:p>
             <a:fld id="{270D4FAA-57D5-48F2-8C7B-9CAAC1E82C81}" type="datetimeFigureOut">
               <a:rPr lang="en-US" smtClean="0"/>
-              <a:t>7/30/2024</a:t>
+              <a:t>8/18/2024</a:t>
             </a:fld>
             <a:endParaRPr lang="en-US"/>
           </a:p>
@@ -3201,7 +3201,7 @@
           <a:p>
             <a:fld id="{270D4FAA-57D5-48F2-8C7B-9CAAC1E82C81}" type="datetimeFigureOut">
               <a:rPr lang="en-US" smtClean="0"/>
-              <a:t>7/30/2024</a:t>
+              <a:t>8/18/2024</a:t>
             </a:fld>
             <a:endParaRPr lang="en-US"/>
           </a:p>
@@ -3442,7 +3442,7 @@
           <a:p>
             <a:fld id="{270D4FAA-57D5-48F2-8C7B-9CAAC1E82C81}" type="datetimeFigureOut">
               <a:rPr lang="en-US" smtClean="0"/>
-              <a:t>7/30/2024</a:t>
+              <a:t>8/18/2024</a:t>
             </a:fld>
             <a:endParaRPr lang="en-US"/>
           </a:p>
@@ -9999,7 +9999,7 @@
         </p:nvSpPr>
         <p:spPr>
           <a:xfrm>
-            <a:off x="351182" y="291548"/>
+            <a:off x="407504" y="332101"/>
             <a:ext cx="4697896" cy="461665"/>
           </a:xfrm>
           <a:prstGeom prst="rect">
@@ -10726,7 +10726,7 @@
         </p:nvSpPr>
         <p:spPr>
           <a:xfrm>
-            <a:off x="6668284" y="378519"/>
+            <a:off x="7269541" y="393978"/>
             <a:ext cx="2548603" cy="369332"/>
           </a:xfrm>
           <a:prstGeom prst="rect">
@@ -14688,8 +14688,8 @@
             <p:nvPr/>
           </p:nvCxnSpPr>
           <p:spPr>
-            <a:xfrm>
-              <a:off x="2850078" y="3590391"/>
+            <a:xfrm rot="21540000">
+              <a:off x="2842260" y="3622141"/>
               <a:ext cx="334858" cy="4804"/>
             </a:xfrm>
             <a:prstGeom prst="line">
